--- a/竹田_合同研究会.pptx
+++ b/竹田_合同研究会.pptx
@@ -37,7 +37,10 @@
     <p:sldId id="573" r:id="rId31"/>
     <p:sldId id="574" r:id="rId32"/>
     <p:sldId id="572" r:id="rId33"/>
-    <p:sldId id="561" r:id="rId34"/>
+    <p:sldId id="576" r:id="rId34"/>
+    <p:sldId id="577" r:id="rId35"/>
+    <p:sldId id="578" r:id="rId36"/>
+    <p:sldId id="561" r:id="rId37"/>
   </p:sldIdLst>
   <p:sldSz cx="12192000" cy="6858000"/>
   <p:notesSz cx="6858000" cy="9144000"/>
@@ -332,7 +335,7 @@
           <a:p>
             <a:fld id="{C8659C27-364E-C74E-8EB0-0FFA61AB3438}" type="datetimeFigureOut">
               <a:rPr kumimoji="1" lang="ja-JP" altLang="en-US" smtClean="0"/>
-              <a:t>2021/6/23</a:t>
+              <a:t>2021/6/25</a:t>
             </a:fld>
             <a:endParaRPr kumimoji="1" lang="ja-JP" altLang="en-US"/>
           </a:p>
@@ -707,7 +710,7 @@
           <a:p>
             <a:fld id="{C8659C27-364E-C74E-8EB0-0FFA61AB3438}" type="datetimeFigureOut">
               <a:rPr kumimoji="1" lang="ja-JP" altLang="en-US" smtClean="0"/>
-              <a:t>2021/6/23</a:t>
+              <a:t>2021/6/25</a:t>
             </a:fld>
             <a:endParaRPr kumimoji="1" lang="ja-JP" altLang="en-US"/>
           </a:p>
@@ -1182,7 +1185,7 @@
           <a:p>
             <a:fld id="{C8659C27-364E-C74E-8EB0-0FFA61AB3438}" type="datetimeFigureOut">
               <a:rPr kumimoji="1" lang="ja-JP" altLang="en-US" smtClean="0"/>
-              <a:t>2021/6/23</a:t>
+              <a:t>2021/6/25</a:t>
             </a:fld>
             <a:endParaRPr kumimoji="1" lang="ja-JP" altLang="en-US"/>
           </a:p>
@@ -1555,7 +1558,7 @@
           <a:p>
             <a:fld id="{C8659C27-364E-C74E-8EB0-0FFA61AB3438}" type="datetimeFigureOut">
               <a:rPr kumimoji="1" lang="ja-JP" altLang="en-US" smtClean="0"/>
-              <a:t>2021/6/23</a:t>
+              <a:t>2021/6/25</a:t>
             </a:fld>
             <a:endParaRPr kumimoji="1" lang="ja-JP" altLang="en-US"/>
           </a:p>
@@ -1949,7 +1952,7 @@
           <a:p>
             <a:fld id="{C8659C27-364E-C74E-8EB0-0FFA61AB3438}" type="datetimeFigureOut">
               <a:rPr kumimoji="1" lang="ja-JP" altLang="en-US" smtClean="0"/>
-              <a:t>2021/6/23</a:t>
+              <a:t>2021/6/25</a:t>
             </a:fld>
             <a:endParaRPr kumimoji="1" lang="ja-JP" altLang="en-US"/>
           </a:p>
@@ -2419,7 +2422,7 @@
           <a:p>
             <a:fld id="{C8659C27-364E-C74E-8EB0-0FFA61AB3438}" type="datetimeFigureOut">
               <a:rPr kumimoji="1" lang="ja-JP" altLang="en-US" smtClean="0"/>
-              <a:t>2021/6/23</a:t>
+              <a:t>2021/6/25</a:t>
             </a:fld>
             <a:endParaRPr kumimoji="1" lang="ja-JP" altLang="en-US"/>
           </a:p>
@@ -2684,7 +2687,7 @@
           <a:p>
             <a:fld id="{C8659C27-364E-C74E-8EB0-0FFA61AB3438}" type="datetimeFigureOut">
               <a:rPr kumimoji="1" lang="ja-JP" altLang="en-US" smtClean="0"/>
-              <a:t>2021/6/23</a:t>
+              <a:t>2021/6/25</a:t>
             </a:fld>
             <a:endParaRPr kumimoji="1" lang="ja-JP" altLang="en-US"/>
           </a:p>
@@ -2954,7 +2957,7 @@
           <a:p>
             <a:fld id="{C8659C27-364E-C74E-8EB0-0FFA61AB3438}" type="datetimeFigureOut">
               <a:rPr kumimoji="1" lang="ja-JP" altLang="en-US" smtClean="0"/>
-              <a:t>2021/6/23</a:t>
+              <a:t>2021/6/25</a:t>
             </a:fld>
             <a:endParaRPr kumimoji="1" lang="ja-JP" altLang="en-US"/>
           </a:p>
@@ -3224,7 +3227,7 @@
           <a:p>
             <a:fld id="{C8659C27-364E-C74E-8EB0-0FFA61AB3438}" type="datetimeFigureOut">
               <a:rPr kumimoji="1" lang="ja-JP" altLang="en-US" smtClean="0"/>
-              <a:t>2021/6/23</a:t>
+              <a:t>2021/6/25</a:t>
             </a:fld>
             <a:endParaRPr kumimoji="1" lang="ja-JP" altLang="en-US"/>
           </a:p>
@@ -3590,7 +3593,7 @@
           <a:p>
             <a:fld id="{C8659C27-364E-C74E-8EB0-0FFA61AB3438}" type="datetimeFigureOut">
               <a:rPr kumimoji="1" lang="ja-JP" altLang="en-US" smtClean="0"/>
-              <a:t>2021/6/23</a:t>
+              <a:t>2021/6/25</a:t>
             </a:fld>
             <a:endParaRPr kumimoji="1" lang="ja-JP" altLang="en-US"/>
           </a:p>
@@ -3929,7 +3932,7 @@
           <a:p>
             <a:fld id="{C8659C27-364E-C74E-8EB0-0FFA61AB3438}" type="datetimeFigureOut">
               <a:rPr kumimoji="1" lang="ja-JP" altLang="en-US" smtClean="0"/>
-              <a:t>2021/6/23</a:t>
+              <a:t>2021/6/25</a:t>
             </a:fld>
             <a:endParaRPr kumimoji="1" lang="ja-JP" altLang="en-US"/>
           </a:p>
@@ -4476,7 +4479,7 @@
           <a:p>
             <a:fld id="{C8659C27-364E-C74E-8EB0-0FFA61AB3438}" type="datetimeFigureOut">
               <a:rPr kumimoji="1" lang="ja-JP" altLang="en-US" smtClean="0"/>
-              <a:t>2021/6/23</a:t>
+              <a:t>2021/6/25</a:t>
             </a:fld>
             <a:endParaRPr kumimoji="1" lang="ja-JP" altLang="en-US"/>
           </a:p>
@@ -4681,7 +4684,7 @@
           <a:p>
             <a:fld id="{C8659C27-364E-C74E-8EB0-0FFA61AB3438}" type="datetimeFigureOut">
               <a:rPr kumimoji="1" lang="ja-JP" altLang="en-US" smtClean="0"/>
-              <a:t>2021/6/23</a:t>
+              <a:t>2021/6/25</a:t>
             </a:fld>
             <a:endParaRPr kumimoji="1" lang="ja-JP" altLang="en-US"/>
           </a:p>
@@ -4858,7 +4861,7 @@
           <a:p>
             <a:fld id="{C8659C27-364E-C74E-8EB0-0FFA61AB3438}" type="datetimeFigureOut">
               <a:rPr kumimoji="1" lang="ja-JP" altLang="en-US" smtClean="0"/>
-              <a:t>2021/6/23</a:t>
+              <a:t>2021/6/25</a:t>
             </a:fld>
             <a:endParaRPr kumimoji="1" lang="ja-JP" altLang="en-US"/>
           </a:p>
@@ -5236,7 +5239,7 @@
           <a:p>
             <a:fld id="{C8659C27-364E-C74E-8EB0-0FFA61AB3438}" type="datetimeFigureOut">
               <a:rPr kumimoji="1" lang="ja-JP" altLang="en-US" smtClean="0"/>
-              <a:t>2021/6/23</a:t>
+              <a:t>2021/6/25</a:t>
             </a:fld>
             <a:endParaRPr kumimoji="1" lang="ja-JP" altLang="en-US"/>
           </a:p>
@@ -5618,7 +5621,7 @@
           <a:p>
             <a:fld id="{C8659C27-364E-C74E-8EB0-0FFA61AB3438}" type="datetimeFigureOut">
               <a:rPr kumimoji="1" lang="ja-JP" altLang="en-US" smtClean="0"/>
-              <a:t>2021/6/23</a:t>
+              <a:t>2021/6/25</a:t>
             </a:fld>
             <a:endParaRPr kumimoji="1" lang="ja-JP" altLang="en-US"/>
           </a:p>
@@ -7743,7 +7746,7 @@
           <a:p>
             <a:fld id="{C8659C27-364E-C74E-8EB0-0FFA61AB3438}" type="datetimeFigureOut">
               <a:rPr kumimoji="1" lang="ja-JP" altLang="en-US" smtClean="0"/>
-              <a:t>2021/6/23</a:t>
+              <a:t>2021/6/25</a:t>
             </a:fld>
             <a:endParaRPr kumimoji="1" lang="ja-JP" altLang="en-US"/>
           </a:p>
@@ -13318,16 +13321,6 @@
             </a:pPr>
             <a:r>
               <a:rPr lang="en" altLang="ja-JP" sz="2400" dirty="0"/>
-              <a:t>Rules for splitting orders</a:t>
-            </a:r>
-          </a:p>
-          <a:p>
-            <a:pPr>
-              <a:buFont typeface="+mj-lt"/>
-              <a:buAutoNum type="arabicPeriod"/>
-            </a:pPr>
-            <a:r>
-              <a:rPr lang="en" altLang="ja-JP" sz="2400" dirty="0"/>
               <a:t>Height of the hold</a:t>
             </a:r>
             <a:endParaRPr kumimoji="1" lang="ja-JP" altLang="en-US" sz="2400"/>
@@ -13519,8 +13512,8 @@
           </a:p>
         </p:txBody>
       </p:sp>
-      <mc:AlternateContent xmlns:mc="http://schemas.openxmlformats.org/markup-compatibility/2006" xmlns:a14="http://schemas.microsoft.com/office/drawing/2010/main">
-        <mc:Choice Requires="a14">
+      <mc:AlternateContent xmlns:mc="http://schemas.openxmlformats.org/markup-compatibility/2006">
+        <mc:Choice xmlns:a14="http://schemas.microsoft.com/office/drawing/2010/main" Requires="a14">
           <p:sp>
             <p:nvSpPr>
               <p:cNvPr id="3" name="コンテンツ プレースホルダー 2">
@@ -13552,7 +13545,15 @@
               <a:p>
                 <a:r>
                   <a:rPr kumimoji="1" lang="en" altLang="ja-JP" sz="2400" dirty="0"/>
-                  <a:t>For each hold I,</a:t>
+                  <a:t>For each hold </a:t>
+                </a:r>
+                <a:r>
+                  <a:rPr lang="en" altLang="ja-JP" sz="2400" dirty="0" err="1"/>
+                  <a:t>i</a:t>
+                </a:r>
+                <a:r>
+                  <a:rPr kumimoji="1" lang="en" altLang="ja-JP" sz="2400" dirty="0"/>
+                  <a:t>,</a:t>
                 </a:r>
                 <a:r>
                   <a:rPr lang="en-US" altLang="ja-JP" sz="2200" dirty="0"/>
@@ -13831,7 +13832,7 @@
             </p:txBody>
           </p:sp>
         </mc:Choice>
-        <mc:Fallback xmlns="">
+        <mc:Fallback>
           <p:sp>
             <p:nvSpPr>
               <p:cNvPr id="3" name="コンテンツ プレースホルダー 2">
@@ -17042,53 +17043,61 @@
             <p:ph sz="half" idx="1"/>
           </p:nvPr>
         </p:nvSpPr>
-        <p:spPr/>
-        <p:txBody>
-          <a:bodyPr/>
+        <p:spPr>
+          <a:xfrm>
+            <a:off x="2097893" y="2126222"/>
+            <a:ext cx="4313864" cy="3777622"/>
+          </a:xfrm>
+        </p:spPr>
+        <p:txBody>
+          <a:bodyPr>
+            <a:normAutofit lnSpcReduction="10000"/>
+          </a:bodyPr>
           <a:lstStyle/>
           <a:p>
             <a:pPr marL="0" indent="0">
               <a:buNone/>
             </a:pPr>
             <a:r>
-              <a:rPr kumimoji="1" lang="en-US" altLang="ja-JP" dirty="0"/>
-              <a:t>Example of LP model</a:t>
-            </a:r>
-          </a:p>
-          <a:p>
-            <a:pPr marL="0" indent="0">
-              <a:buNone/>
-            </a:pPr>
-            <a:endParaRPr lang="en-US" altLang="ja-JP" dirty="0"/>
-          </a:p>
-          <a:p>
-            <a:r>
-              <a:rPr lang="en-US" altLang="ja-JP" dirty="0"/>
-              <a:t>assigning 35 cars to 3</a:t>
-            </a:r>
-            <a:r>
-              <a:rPr lang="en-US" altLang="ja-JP" baseline="30000" dirty="0"/>
+              <a:rPr kumimoji="1" lang="en-US" altLang="ja-JP" sz="2400" dirty="0"/>
+              <a:t>Example of previous model</a:t>
+            </a:r>
+            <a:endParaRPr lang="en-US" altLang="ja-JP" sz="2400" dirty="0"/>
+          </a:p>
+          <a:p>
+            <a:endParaRPr lang="en-US" altLang="ja-JP" sz="2400" dirty="0"/>
+          </a:p>
+          <a:p>
+            <a:r>
+              <a:rPr lang="en-US" altLang="ja-JP" sz="2400" dirty="0"/>
+              <a:t>assigning 35 vehicles of order 1 to 3</a:t>
+            </a:r>
+            <a:r>
+              <a:rPr lang="en-US" altLang="ja-JP" sz="2400" baseline="30000" dirty="0"/>
               <a:t>rd</a:t>
             </a:r>
             <a:r>
-              <a:rPr lang="en-US" altLang="ja-JP" dirty="0"/>
-              <a:t> hold of    4</a:t>
-            </a:r>
-            <a:r>
-              <a:rPr lang="en-US" altLang="ja-JP" baseline="30000" dirty="0"/>
+              <a:rPr lang="en-US" altLang="ja-JP" sz="2400" dirty="0"/>
+              <a:t> hold of  4</a:t>
+            </a:r>
+            <a:r>
+              <a:rPr lang="en-US" altLang="ja-JP" sz="2400" baseline="30000" dirty="0"/>
               <a:t>th</a:t>
             </a:r>
             <a:r>
-              <a:rPr lang="en-US" altLang="ja-JP" dirty="0"/>
+              <a:rPr lang="en-US" altLang="ja-JP" sz="2400" dirty="0"/>
               <a:t> deck.</a:t>
             </a:r>
           </a:p>
           <a:p>
-            <a:r>
-              <a:rPr lang="en-US" altLang="ja-JP" dirty="0"/>
+            <a:endParaRPr lang="en-US" altLang="ja-JP" sz="2400" dirty="0"/>
+          </a:p>
+          <a:p>
+            <a:r>
+              <a:rPr lang="en-US" altLang="ja-JP" sz="2400" dirty="0"/>
               <a:t>same as real operations.</a:t>
             </a:r>
-            <a:endParaRPr kumimoji="1" lang="ja-JP" altLang="en-US"/>
+            <a:endParaRPr kumimoji="1" lang="ja-JP" altLang="en-US" sz="2400"/>
           </a:p>
         </p:txBody>
       </p:sp>
@@ -17108,24 +17117,60 @@
             <p:ph sz="half" idx="2"/>
           </p:nvPr>
         </p:nvSpPr>
-        <p:spPr/>
-        <p:txBody>
-          <a:bodyPr/>
+        <p:spPr>
+          <a:xfrm>
+            <a:off x="6644836" y="2126222"/>
+            <a:ext cx="4313864" cy="3777622"/>
+          </a:xfrm>
+        </p:spPr>
+        <p:txBody>
+          <a:bodyPr>
+            <a:normAutofit lnSpcReduction="10000"/>
+          </a:bodyPr>
           <a:lstStyle/>
           <a:p>
             <a:pPr marL="0" indent="0">
               <a:buNone/>
             </a:pPr>
             <a:r>
-              <a:rPr kumimoji="1" lang="en-US" altLang="ja-JP" dirty="0"/>
+              <a:rPr kumimoji="1" lang="en-US" altLang="ja-JP" sz="2400" dirty="0"/>
               <a:t>Example of Heuristic model</a:t>
             </a:r>
-          </a:p>
-          <a:p>
-            <a:pPr marL="0" indent="0">
-              <a:buNone/>
-            </a:pPr>
-            <a:endParaRPr lang="en-US" altLang="ja-JP" dirty="0"/>
+            <a:endParaRPr lang="en-US" altLang="ja-JP" sz="2400" dirty="0"/>
+          </a:p>
+          <a:p>
+            <a:endParaRPr lang="en-US" altLang="ja-JP" sz="2400" dirty="0"/>
+          </a:p>
+          <a:p>
+            <a:r>
+              <a:rPr lang="en-US" altLang="ja-JP" sz="2400" dirty="0"/>
+              <a:t>Assigning order 1 to 3</a:t>
+            </a:r>
+            <a:r>
+              <a:rPr lang="en-US" altLang="ja-JP" sz="2400" baseline="30000" dirty="0"/>
+              <a:t>rd</a:t>
+            </a:r>
+            <a:r>
+              <a:rPr lang="en-US" altLang="ja-JP" sz="2400" dirty="0"/>
+              <a:t> segment</a:t>
+            </a:r>
+          </a:p>
+          <a:p>
+            <a:endParaRPr lang="en-US" altLang="ja-JP" sz="2400" dirty="0"/>
+          </a:p>
+          <a:p>
+            <a:r>
+              <a:rPr lang="en-US" altLang="ja-JP" sz="2400" dirty="0"/>
+              <a:t>Once assignments are decided, we load</a:t>
+            </a:r>
+            <a:r>
+              <a:rPr lang="ja-JP" altLang="en-US" sz="2400"/>
+              <a:t>　</a:t>
+            </a:r>
+            <a:r>
+              <a:rPr lang="en-US" altLang="ja-JP" sz="2400" dirty="0"/>
+              <a:t>vehicles from the back according to the rules.</a:t>
+            </a:r>
           </a:p>
           <a:p>
             <a:endParaRPr kumimoji="1" lang="ja-JP" altLang="en-US"/>
@@ -17167,6 +17212,366 @@
           <p:cNvPr id="2" name="タイトル 1">
             <a:extLst>
               <a:ext uri="{FF2B5EF4-FFF2-40B4-BE49-F238E27FC236}">
+                <a16:creationId xmlns:a16="http://schemas.microsoft.com/office/drawing/2014/main" id="{FDC6E643-84C1-D84A-A5EC-DEBAA379F4FF}"/>
+              </a:ext>
+            </a:extLst>
+          </p:cNvPr>
+          <p:cNvSpPr>
+            <a:spLocks noGrp="1"/>
+          </p:cNvSpPr>
+          <p:nvPr>
+            <p:ph type="title"/>
+          </p:nvPr>
+        </p:nvSpPr>
+        <p:spPr/>
+        <p:txBody>
+          <a:bodyPr/>
+          <a:lstStyle/>
+          <a:p>
+            <a:r>
+              <a:rPr lang="en" altLang="ja-JP" dirty="0"/>
+              <a:t>Rules for loading</a:t>
+            </a:r>
+            <a:r>
+              <a:rPr lang="en-US" altLang="ja-JP" dirty="0"/>
+              <a:t> vehicles</a:t>
+            </a:r>
+            <a:endParaRPr kumimoji="1" lang="ja-JP" altLang="en-US"/>
+          </a:p>
+        </p:txBody>
+      </p:sp>
+      <p:sp>
+        <p:nvSpPr>
+          <p:cNvPr id="3" name="コンテンツ プレースホルダー 2">
+            <a:extLst>
+              <a:ext uri="{FF2B5EF4-FFF2-40B4-BE49-F238E27FC236}">
+                <a16:creationId xmlns:a16="http://schemas.microsoft.com/office/drawing/2014/main" id="{87DA18FE-55DE-054F-B0FC-BCAE58372308}"/>
+              </a:ext>
+            </a:extLst>
+          </p:cNvPr>
+          <p:cNvSpPr>
+            <a:spLocks noGrp="1"/>
+          </p:cNvSpPr>
+          <p:nvPr>
+            <p:ph idx="1"/>
+          </p:nvPr>
+        </p:nvSpPr>
+        <p:spPr/>
+        <p:txBody>
+          <a:bodyPr>
+            <a:normAutofit/>
+          </a:bodyPr>
+          <a:lstStyle/>
+          <a:p>
+            <a:r>
+              <a:rPr lang="en" altLang="ja-JP" sz="2400" dirty="0"/>
+              <a:t> The vehicles of the orders assigned to each segment are loaded from the back hold.</a:t>
+            </a:r>
+          </a:p>
+          <a:p>
+            <a:r>
+              <a:rPr lang="en" altLang="ja-JP" sz="2400" dirty="0"/>
+              <a:t>We want to load the vehicle while satisfying the constraints.</a:t>
+            </a:r>
+          </a:p>
+          <a:p>
+            <a:endParaRPr kumimoji="1" lang="en" altLang="ja-JP" sz="2400" dirty="0"/>
+          </a:p>
+        </p:txBody>
+      </p:sp>
+    </p:spTree>
+    <p:extLst>
+      <p:ext uri="{BB962C8B-B14F-4D97-AF65-F5344CB8AC3E}">
+        <p14:creationId xmlns:p14="http://schemas.microsoft.com/office/powerpoint/2010/main" val="1840310504"/>
+      </p:ext>
+    </p:extLst>
+  </p:cSld>
+  <p:clrMapOvr>
+    <a:masterClrMapping/>
+  </p:clrMapOvr>
+</p:sld>
+</file>
+
+<file path=ppt/slides/slide34.xml><?xml version="1.0" encoding="utf-8"?>
+<p:sld xmlns:a="http://schemas.openxmlformats.org/drawingml/2006/main" xmlns:r="http://schemas.openxmlformats.org/officeDocument/2006/relationships" xmlns:p="http://schemas.openxmlformats.org/presentationml/2006/main">
+  <p:cSld>
+    <p:spTree>
+      <p:nvGrpSpPr>
+        <p:cNvPr id="1" name=""/>
+        <p:cNvGrpSpPr/>
+        <p:nvPr/>
+      </p:nvGrpSpPr>
+      <p:grpSpPr>
+        <a:xfrm>
+          <a:off x="0" y="0"/>
+          <a:ext cx="0" cy="0"/>
+          <a:chOff x="0" y="0"/>
+          <a:chExt cx="0" cy="0"/>
+        </a:xfrm>
+      </p:grpSpPr>
+      <p:sp>
+        <p:nvSpPr>
+          <p:cNvPr id="2" name="タイトル 1">
+            <a:extLst>
+              <a:ext uri="{FF2B5EF4-FFF2-40B4-BE49-F238E27FC236}">
+                <a16:creationId xmlns:a16="http://schemas.microsoft.com/office/drawing/2014/main" id="{3E79F2C1-44AD-BE44-B7D7-3B192EEA9B06}"/>
+              </a:ext>
+            </a:extLst>
+          </p:cNvPr>
+          <p:cNvSpPr>
+            <a:spLocks noGrp="1"/>
+          </p:cNvSpPr>
+          <p:nvPr>
+            <p:ph type="title"/>
+          </p:nvPr>
+        </p:nvSpPr>
+        <p:spPr/>
+        <p:txBody>
+          <a:bodyPr/>
+          <a:lstStyle/>
+          <a:p>
+            <a:r>
+              <a:rPr lang="en" altLang="ja-JP" dirty="0"/>
+              <a:t>Constraints that has to be satisfied when loading</a:t>
+            </a:r>
+            <a:endParaRPr kumimoji="1" lang="ja-JP" altLang="en-US"/>
+          </a:p>
+        </p:txBody>
+      </p:sp>
+      <p:sp>
+        <p:nvSpPr>
+          <p:cNvPr id="3" name="コンテンツ プレースホルダー 2">
+            <a:extLst>
+              <a:ext uri="{FF2B5EF4-FFF2-40B4-BE49-F238E27FC236}">
+                <a16:creationId xmlns:a16="http://schemas.microsoft.com/office/drawing/2014/main" id="{C1BD3BF1-F3B9-434F-9868-7519AF4F1EE7}"/>
+              </a:ext>
+            </a:extLst>
+          </p:cNvPr>
+          <p:cNvSpPr>
+            <a:spLocks noGrp="1"/>
+          </p:cNvSpPr>
+          <p:nvPr>
+            <p:ph idx="1"/>
+          </p:nvPr>
+        </p:nvSpPr>
+        <p:spPr>
+          <a:xfrm>
+            <a:off x="2589212" y="2173941"/>
+            <a:ext cx="8915400" cy="3777622"/>
+          </a:xfrm>
+        </p:spPr>
+        <p:txBody>
+          <a:bodyPr>
+            <a:normAutofit fontScale="92500"/>
+          </a:bodyPr>
+          <a:lstStyle/>
+          <a:p>
+            <a:pPr marL="0" indent="0">
+              <a:buNone/>
+            </a:pPr>
+            <a:r>
+              <a:rPr lang="en-US" altLang="ja-JP" sz="2400" dirty="0"/>
+              <a:t>We load vehicles while satisfying the following two constraints.</a:t>
+            </a:r>
+          </a:p>
+          <a:p>
+            <a:pPr>
+              <a:buFont typeface="+mj-lt"/>
+              <a:buAutoNum type="arabicPeriod"/>
+            </a:pPr>
+            <a:r>
+              <a:rPr lang="en-US" altLang="ja-JP" sz="2400" dirty="0"/>
+              <a:t>Travel routes in the ship</a:t>
+            </a:r>
+          </a:p>
+          <a:p>
+            <a:pPr lvl="1"/>
+            <a:r>
+              <a:rPr lang="en-US" altLang="ja-JP" sz="2000" dirty="0"/>
+              <a:t>We ensure that the filling rate is not exceeded after all vehicles have been loaded at a particular port.</a:t>
+            </a:r>
+          </a:p>
+          <a:p>
+            <a:pPr>
+              <a:buFont typeface="+mj-lt"/>
+              <a:buAutoNum type="arabicPeriod"/>
+            </a:pPr>
+            <a:r>
+              <a:rPr lang="en" altLang="ja-JP" sz="2400" dirty="0"/>
+              <a:t>Height of the hold</a:t>
+            </a:r>
+          </a:p>
+          <a:p>
+            <a:pPr lvl="1"/>
+            <a:r>
+              <a:rPr lang="en" altLang="ja-JP" sz="2200" dirty="0"/>
+              <a:t>we do not load vehicles that are higher than the height of the hold.</a:t>
+            </a:r>
+          </a:p>
+          <a:p>
+            <a:pPr marL="0" indent="0">
+              <a:buNone/>
+            </a:pPr>
+            <a:r>
+              <a:rPr lang="en" altLang="ja-JP" sz="2400" dirty="0"/>
+              <a:t>Any constraints or objectives other than the above two </a:t>
+            </a:r>
+            <a:r>
+              <a:rPr lang="ja-JP" altLang="en-US" sz="2400"/>
+              <a:t>　　　　　　　　</a:t>
+            </a:r>
+            <a:r>
+              <a:rPr lang="en" altLang="ja-JP" sz="2400" dirty="0"/>
+              <a:t>are considered in</a:t>
+            </a:r>
+            <a:r>
+              <a:rPr lang="en-US" altLang="ja-JP" sz="2400" dirty="0"/>
+              <a:t> the</a:t>
+            </a:r>
+            <a:r>
+              <a:rPr lang="en" altLang="ja-JP" sz="2400" dirty="0"/>
+              <a:t> evaluation function.</a:t>
+            </a:r>
+          </a:p>
+          <a:p>
+            <a:pPr marL="57150" indent="0">
+              <a:buNone/>
+            </a:pPr>
+            <a:endParaRPr lang="en" altLang="ja-JP" sz="2400" dirty="0"/>
+          </a:p>
+        </p:txBody>
+      </p:sp>
+    </p:spTree>
+    <p:extLst>
+      <p:ext uri="{BB962C8B-B14F-4D97-AF65-F5344CB8AC3E}">
+        <p14:creationId xmlns:p14="http://schemas.microsoft.com/office/powerpoint/2010/main" val="1018384972"/>
+      </p:ext>
+    </p:extLst>
+  </p:cSld>
+  <p:clrMapOvr>
+    <a:masterClrMapping/>
+  </p:clrMapOvr>
+</p:sld>
+</file>
+
+<file path=ppt/slides/slide35.xml><?xml version="1.0" encoding="utf-8"?>
+<p:sld xmlns:a="http://schemas.openxmlformats.org/drawingml/2006/main" xmlns:r="http://schemas.openxmlformats.org/officeDocument/2006/relationships" xmlns:p="http://schemas.openxmlformats.org/presentationml/2006/main">
+  <p:cSld>
+    <p:spTree>
+      <p:nvGrpSpPr>
+        <p:cNvPr id="1" name=""/>
+        <p:cNvGrpSpPr/>
+        <p:nvPr/>
+      </p:nvGrpSpPr>
+      <p:grpSpPr>
+        <a:xfrm>
+          <a:off x="0" y="0"/>
+          <a:ext cx="0" cy="0"/>
+          <a:chOff x="0" y="0"/>
+          <a:chExt cx="0" cy="0"/>
+        </a:xfrm>
+      </p:grpSpPr>
+      <p:sp>
+        <p:nvSpPr>
+          <p:cNvPr id="2" name="タイトル 1">
+            <a:extLst>
+              <a:ext uri="{FF2B5EF4-FFF2-40B4-BE49-F238E27FC236}">
+                <a16:creationId xmlns:a16="http://schemas.microsoft.com/office/drawing/2014/main" id="{FEEFE181-A7D0-7146-B49E-65AC407C9C2B}"/>
+              </a:ext>
+            </a:extLst>
+          </p:cNvPr>
+          <p:cNvSpPr>
+            <a:spLocks noGrp="1"/>
+          </p:cNvSpPr>
+          <p:nvPr>
+            <p:ph type="title"/>
+          </p:nvPr>
+        </p:nvSpPr>
+        <p:spPr/>
+        <p:txBody>
+          <a:bodyPr/>
+          <a:lstStyle/>
+          <a:p>
+            <a:r>
+              <a:rPr kumimoji="1" lang="en-US" altLang="ja-JP" dirty="0"/>
+              <a:t>Current situation of  implementation</a:t>
+            </a:r>
+            <a:endParaRPr kumimoji="1" lang="ja-JP" altLang="en-US"/>
+          </a:p>
+        </p:txBody>
+      </p:sp>
+      <p:sp>
+        <p:nvSpPr>
+          <p:cNvPr id="3" name="コンテンツ プレースホルダー 2">
+            <a:extLst>
+              <a:ext uri="{FF2B5EF4-FFF2-40B4-BE49-F238E27FC236}">
+                <a16:creationId xmlns:a16="http://schemas.microsoft.com/office/drawing/2014/main" id="{F34D1FFA-7F21-1B4A-B2CC-C1C3F36A6C10}"/>
+              </a:ext>
+            </a:extLst>
+          </p:cNvPr>
+          <p:cNvSpPr>
+            <a:spLocks noGrp="1"/>
+          </p:cNvSpPr>
+          <p:nvPr>
+            <p:ph idx="1"/>
+          </p:nvPr>
+        </p:nvSpPr>
+        <p:spPr/>
+        <p:txBody>
+          <a:bodyPr>
+            <a:normAutofit/>
+          </a:bodyPr>
+          <a:lstStyle/>
+          <a:p>
+            <a:r>
+              <a:rPr lang="en-US" altLang="ja-JP" sz="2400" dirty="0"/>
+              <a:t>I created a simple heuristic that can satisfy some constraints. </a:t>
+            </a:r>
+          </a:p>
+          <a:p>
+            <a:r>
+              <a:rPr lang="en-US" altLang="ja-JP" sz="2400" dirty="0"/>
+              <a:t>There are many constraints that need to be implemented.</a:t>
+            </a:r>
+            <a:endParaRPr kumimoji="1" lang="ja-JP" altLang="en-US" sz="2400"/>
+          </a:p>
+        </p:txBody>
+      </p:sp>
+    </p:spTree>
+    <p:extLst>
+      <p:ext uri="{BB962C8B-B14F-4D97-AF65-F5344CB8AC3E}">
+        <p14:creationId xmlns:p14="http://schemas.microsoft.com/office/powerpoint/2010/main" val="4216551076"/>
+      </p:ext>
+    </p:extLst>
+  </p:cSld>
+  <p:clrMapOvr>
+    <a:masterClrMapping/>
+  </p:clrMapOvr>
+</p:sld>
+</file>
+
+<file path=ppt/slides/slide36.xml><?xml version="1.0" encoding="utf-8"?>
+<p:sld xmlns:a="http://schemas.openxmlformats.org/drawingml/2006/main" xmlns:r="http://schemas.openxmlformats.org/officeDocument/2006/relationships" xmlns:p="http://schemas.openxmlformats.org/presentationml/2006/main">
+  <p:cSld>
+    <p:spTree>
+      <p:nvGrpSpPr>
+        <p:cNvPr id="1" name=""/>
+        <p:cNvGrpSpPr/>
+        <p:nvPr/>
+      </p:nvGrpSpPr>
+      <p:grpSpPr>
+        <a:xfrm>
+          <a:off x="0" y="0"/>
+          <a:ext cx="0" cy="0"/>
+          <a:chOff x="0" y="0"/>
+          <a:chExt cx="0" cy="0"/>
+        </a:xfrm>
+      </p:grpSpPr>
+      <p:sp>
+        <p:nvSpPr>
+          <p:cNvPr id="2" name="タイトル 1">
+            <a:extLst>
+              <a:ext uri="{FF2B5EF4-FFF2-40B4-BE49-F238E27FC236}">
                 <a16:creationId xmlns:a16="http://schemas.microsoft.com/office/drawing/2014/main" id="{7A74A867-EBEB-2F4D-8265-67DD34FA45C3}"/>
               </a:ext>
             </a:extLst>
@@ -17228,14 +17633,14 @@
             <a:pPr lvl="1"/>
             <a:r>
               <a:rPr lang="en" altLang="ja-JP" sz="2200" dirty="0"/>
-              <a:t>It takes about three times as long when height constraints are taken into account.</a:t>
+              <a:t>We confirmed that we can get good solutions for small bookings.</a:t>
             </a:r>
           </a:p>
           <a:p>
             <a:pPr lvl="1"/>
             <a:r>
               <a:rPr lang="en" altLang="ja-JP" sz="2200" dirty="0"/>
-              <a:t>We can get good solutions for bookings which has less than 250 orders and has less than 2-5 ports. </a:t>
+              <a:t>We proposed heuristic model to solve large bookings.</a:t>
             </a:r>
           </a:p>
           <a:p>
@@ -17248,27 +17653,15 @@
             <a:pPr lvl="1"/>
             <a:r>
               <a:rPr lang="en" altLang="ja-JP" sz="2400" dirty="0"/>
-              <a:t>creating an objective function to evaluate the quality of the assignment </a:t>
-            </a:r>
-            <a:r>
-              <a:rPr lang="en" altLang="ja-JP" sz="2400" b="1" dirty="0"/>
-              <a:t>for planners. </a:t>
+              <a:t>Implementing the program</a:t>
             </a:r>
           </a:p>
           <a:p>
             <a:pPr lvl="1"/>
             <a:r>
-              <a:rPr kumimoji="1" lang="en" altLang="ja-JP" sz="2200" dirty="0"/>
-              <a:t>Modifying the mathematical model</a:t>
-            </a:r>
-          </a:p>
-          <a:p>
-            <a:pPr lvl="1"/>
-            <a:r>
-              <a:rPr kumimoji="1" lang="en" altLang="ja-JP" sz="2200" dirty="0"/>
-              <a:t>Creating heuristic to be able to solve large bookings</a:t>
-            </a:r>
-            <a:endParaRPr kumimoji="1" lang="ja-JP" altLang="en-US" sz="2200"/>
+              <a:rPr lang="en" altLang="ja-JP" sz="2400" dirty="0"/>
+              <a:t>Compare the solution and computation time between previous model and heuristic model</a:t>
+            </a:r>
           </a:p>
         </p:txBody>
       </p:sp>

--- a/竹田_合同研究会.pptx
+++ b/竹田_合同研究会.pptx
@@ -39,8 +39,12 @@
     <p:sldId id="572" r:id="rId33"/>
     <p:sldId id="576" r:id="rId34"/>
     <p:sldId id="577" r:id="rId35"/>
-    <p:sldId id="578" r:id="rId36"/>
-    <p:sldId id="561" r:id="rId37"/>
+    <p:sldId id="579" r:id="rId36"/>
+    <p:sldId id="580" r:id="rId37"/>
+    <p:sldId id="581" r:id="rId38"/>
+    <p:sldId id="578" r:id="rId39"/>
+    <p:sldId id="582" r:id="rId40"/>
+    <p:sldId id="561" r:id="rId41"/>
   </p:sldIdLst>
   <p:sldSz cx="12192000" cy="6858000"/>
   <p:notesSz cx="6858000" cy="9144000"/>
@@ -335,7 +339,7 @@
           <a:p>
             <a:fld id="{C8659C27-364E-C74E-8EB0-0FFA61AB3438}" type="datetimeFigureOut">
               <a:rPr kumimoji="1" lang="ja-JP" altLang="en-US" smtClean="0"/>
-              <a:t>2021/6/25</a:t>
+              <a:t>2021/6/30</a:t>
             </a:fld>
             <a:endParaRPr kumimoji="1" lang="ja-JP" altLang="en-US"/>
           </a:p>
@@ -710,7 +714,7 @@
           <a:p>
             <a:fld id="{C8659C27-364E-C74E-8EB0-0FFA61AB3438}" type="datetimeFigureOut">
               <a:rPr kumimoji="1" lang="ja-JP" altLang="en-US" smtClean="0"/>
-              <a:t>2021/6/25</a:t>
+              <a:t>2021/6/30</a:t>
             </a:fld>
             <a:endParaRPr kumimoji="1" lang="ja-JP" altLang="en-US"/>
           </a:p>
@@ -1185,7 +1189,7 @@
           <a:p>
             <a:fld id="{C8659C27-364E-C74E-8EB0-0FFA61AB3438}" type="datetimeFigureOut">
               <a:rPr kumimoji="1" lang="ja-JP" altLang="en-US" smtClean="0"/>
-              <a:t>2021/6/25</a:t>
+              <a:t>2021/6/30</a:t>
             </a:fld>
             <a:endParaRPr kumimoji="1" lang="ja-JP" altLang="en-US"/>
           </a:p>
@@ -1558,7 +1562,7 @@
           <a:p>
             <a:fld id="{C8659C27-364E-C74E-8EB0-0FFA61AB3438}" type="datetimeFigureOut">
               <a:rPr kumimoji="1" lang="ja-JP" altLang="en-US" smtClean="0"/>
-              <a:t>2021/6/25</a:t>
+              <a:t>2021/6/30</a:t>
             </a:fld>
             <a:endParaRPr kumimoji="1" lang="ja-JP" altLang="en-US"/>
           </a:p>
@@ -1952,7 +1956,7 @@
           <a:p>
             <a:fld id="{C8659C27-364E-C74E-8EB0-0FFA61AB3438}" type="datetimeFigureOut">
               <a:rPr kumimoji="1" lang="ja-JP" altLang="en-US" smtClean="0"/>
-              <a:t>2021/6/25</a:t>
+              <a:t>2021/6/30</a:t>
             </a:fld>
             <a:endParaRPr kumimoji="1" lang="ja-JP" altLang="en-US"/>
           </a:p>
@@ -2422,7 +2426,7 @@
           <a:p>
             <a:fld id="{C8659C27-364E-C74E-8EB0-0FFA61AB3438}" type="datetimeFigureOut">
               <a:rPr kumimoji="1" lang="ja-JP" altLang="en-US" smtClean="0"/>
-              <a:t>2021/6/25</a:t>
+              <a:t>2021/6/30</a:t>
             </a:fld>
             <a:endParaRPr kumimoji="1" lang="ja-JP" altLang="en-US"/>
           </a:p>
@@ -2687,7 +2691,7 @@
           <a:p>
             <a:fld id="{C8659C27-364E-C74E-8EB0-0FFA61AB3438}" type="datetimeFigureOut">
               <a:rPr kumimoji="1" lang="ja-JP" altLang="en-US" smtClean="0"/>
-              <a:t>2021/6/25</a:t>
+              <a:t>2021/6/30</a:t>
             </a:fld>
             <a:endParaRPr kumimoji="1" lang="ja-JP" altLang="en-US"/>
           </a:p>
@@ -2957,7 +2961,7 @@
           <a:p>
             <a:fld id="{C8659C27-364E-C74E-8EB0-0FFA61AB3438}" type="datetimeFigureOut">
               <a:rPr kumimoji="1" lang="ja-JP" altLang="en-US" smtClean="0"/>
-              <a:t>2021/6/25</a:t>
+              <a:t>2021/6/30</a:t>
             </a:fld>
             <a:endParaRPr kumimoji="1" lang="ja-JP" altLang="en-US"/>
           </a:p>
@@ -3227,7 +3231,7 @@
           <a:p>
             <a:fld id="{C8659C27-364E-C74E-8EB0-0FFA61AB3438}" type="datetimeFigureOut">
               <a:rPr kumimoji="1" lang="ja-JP" altLang="en-US" smtClean="0"/>
-              <a:t>2021/6/25</a:t>
+              <a:t>2021/6/30</a:t>
             </a:fld>
             <a:endParaRPr kumimoji="1" lang="ja-JP" altLang="en-US"/>
           </a:p>
@@ -3593,7 +3597,7 @@
           <a:p>
             <a:fld id="{C8659C27-364E-C74E-8EB0-0FFA61AB3438}" type="datetimeFigureOut">
               <a:rPr kumimoji="1" lang="ja-JP" altLang="en-US" smtClean="0"/>
-              <a:t>2021/6/25</a:t>
+              <a:t>2021/6/30</a:t>
             </a:fld>
             <a:endParaRPr kumimoji="1" lang="ja-JP" altLang="en-US"/>
           </a:p>
@@ -3932,7 +3936,7 @@
           <a:p>
             <a:fld id="{C8659C27-364E-C74E-8EB0-0FFA61AB3438}" type="datetimeFigureOut">
               <a:rPr kumimoji="1" lang="ja-JP" altLang="en-US" smtClean="0"/>
-              <a:t>2021/6/25</a:t>
+              <a:t>2021/6/30</a:t>
             </a:fld>
             <a:endParaRPr kumimoji="1" lang="ja-JP" altLang="en-US"/>
           </a:p>
@@ -4479,7 +4483,7 @@
           <a:p>
             <a:fld id="{C8659C27-364E-C74E-8EB0-0FFA61AB3438}" type="datetimeFigureOut">
               <a:rPr kumimoji="1" lang="ja-JP" altLang="en-US" smtClean="0"/>
-              <a:t>2021/6/25</a:t>
+              <a:t>2021/6/30</a:t>
             </a:fld>
             <a:endParaRPr kumimoji="1" lang="ja-JP" altLang="en-US"/>
           </a:p>
@@ -4684,7 +4688,7 @@
           <a:p>
             <a:fld id="{C8659C27-364E-C74E-8EB0-0FFA61AB3438}" type="datetimeFigureOut">
               <a:rPr kumimoji="1" lang="ja-JP" altLang="en-US" smtClean="0"/>
-              <a:t>2021/6/25</a:t>
+              <a:t>2021/6/30</a:t>
             </a:fld>
             <a:endParaRPr kumimoji="1" lang="ja-JP" altLang="en-US"/>
           </a:p>
@@ -4861,7 +4865,7 @@
           <a:p>
             <a:fld id="{C8659C27-364E-C74E-8EB0-0FFA61AB3438}" type="datetimeFigureOut">
               <a:rPr kumimoji="1" lang="ja-JP" altLang="en-US" smtClean="0"/>
-              <a:t>2021/6/25</a:t>
+              <a:t>2021/6/30</a:t>
             </a:fld>
             <a:endParaRPr kumimoji="1" lang="ja-JP" altLang="en-US"/>
           </a:p>
@@ -5239,7 +5243,7 @@
           <a:p>
             <a:fld id="{C8659C27-364E-C74E-8EB0-0FFA61AB3438}" type="datetimeFigureOut">
               <a:rPr kumimoji="1" lang="ja-JP" altLang="en-US" smtClean="0"/>
-              <a:t>2021/6/25</a:t>
+              <a:t>2021/6/30</a:t>
             </a:fld>
             <a:endParaRPr kumimoji="1" lang="ja-JP" altLang="en-US"/>
           </a:p>
@@ -5621,7 +5625,7 @@
           <a:p>
             <a:fld id="{C8659C27-364E-C74E-8EB0-0FFA61AB3438}" type="datetimeFigureOut">
               <a:rPr kumimoji="1" lang="ja-JP" altLang="en-US" smtClean="0"/>
-              <a:t>2021/6/25</a:t>
+              <a:t>2021/6/30</a:t>
             </a:fld>
             <a:endParaRPr kumimoji="1" lang="ja-JP" altLang="en-US"/>
           </a:p>
@@ -7746,7 +7750,7 @@
           <a:p>
             <a:fld id="{C8659C27-364E-C74E-8EB0-0FFA61AB3438}" type="datetimeFigureOut">
               <a:rPr kumimoji="1" lang="ja-JP" altLang="en-US" smtClean="0"/>
-              <a:t>2021/6/25</a:t>
+              <a:t>2021/6/30</a:t>
             </a:fld>
             <a:endParaRPr kumimoji="1" lang="ja-JP" altLang="en-US"/>
           </a:p>
@@ -13512,8 +13516,8 @@
           </a:p>
         </p:txBody>
       </p:sp>
-      <mc:AlternateContent xmlns:mc="http://schemas.openxmlformats.org/markup-compatibility/2006">
-        <mc:Choice xmlns:a14="http://schemas.microsoft.com/office/drawing/2010/main" Requires="a14">
+      <mc:AlternateContent xmlns:mc="http://schemas.openxmlformats.org/markup-compatibility/2006" xmlns:a14="http://schemas.microsoft.com/office/drawing/2010/main">
+        <mc:Choice Requires="a14">
           <p:sp>
             <p:nvSpPr>
               <p:cNvPr id="3" name="コンテンツ プレースホルダー 2">
@@ -13832,7 +13836,7 @@
             </p:txBody>
           </p:sp>
         </mc:Choice>
-        <mc:Fallback>
+        <mc:Fallback xmlns="">
           <p:sp>
             <p:nvSpPr>
               <p:cNvPr id="3" name="コンテンツ プレースホルダー 2">
@@ -16583,7 +16587,17 @@
               <a:rPr kumimoji="1" lang="en" altLang="ja-JP" sz="2200" dirty="0"/>
               <a:t>We call them “segment”.</a:t>
             </a:r>
-            <a:endParaRPr kumimoji="1" lang="ja-JP" altLang="en-US" sz="2200"/>
+          </a:p>
+          <a:p>
+            <a:r>
+              <a:rPr lang="en" altLang="ja-JP" sz="2400" dirty="0"/>
+              <a:t>Using the local search, we improve the</a:t>
+            </a:r>
+            <a:r>
+              <a:rPr lang="en-US" altLang="ja-JP" sz="2400" dirty="0"/>
+              <a:t> assignment.</a:t>
+            </a:r>
+            <a:endParaRPr kumimoji="1" lang="ja-JP" altLang="en-US" sz="2400"/>
           </a:p>
         </p:txBody>
       </p:sp>
@@ -17476,7 +17490,7 @@
           <p:cNvPr id="2" name="タイトル 1">
             <a:extLst>
               <a:ext uri="{FF2B5EF4-FFF2-40B4-BE49-F238E27FC236}">
-                <a16:creationId xmlns:a16="http://schemas.microsoft.com/office/drawing/2014/main" id="{FEEFE181-A7D0-7146-B49E-65AC407C9C2B}"/>
+                <a16:creationId xmlns:a16="http://schemas.microsoft.com/office/drawing/2014/main" id="{2B278DCE-0685-4441-B128-DC9D8C8EB809}"/>
               </a:ext>
             </a:extLst>
           </p:cNvPr>
@@ -17494,8 +17508,11 @@
           <a:p>
             <a:r>
               <a:rPr kumimoji="1" lang="en-US" altLang="ja-JP" dirty="0"/>
-              <a:t>Current situation of  implementation</a:t>
-            </a:r>
+              <a:t>Local Search</a:t>
+            </a:r>
+            <a:br>
+              <a:rPr kumimoji="1" lang="en-US" altLang="ja-JP" dirty="0"/>
+            </a:br>
             <a:endParaRPr kumimoji="1" lang="ja-JP" altLang="en-US"/>
           </a:p>
         </p:txBody>
@@ -17505,7 +17522,7 @@
           <p:cNvPr id="3" name="コンテンツ プレースホルダー 2">
             <a:extLst>
               <a:ext uri="{FF2B5EF4-FFF2-40B4-BE49-F238E27FC236}">
-                <a16:creationId xmlns:a16="http://schemas.microsoft.com/office/drawing/2014/main" id="{F34D1FFA-7F21-1B4A-B2CC-C1C3F36A6C10}"/>
+                <a16:creationId xmlns:a16="http://schemas.microsoft.com/office/drawing/2014/main" id="{613B841F-8DD0-1147-9E25-B1A91183D7E1}"/>
               </a:ext>
             </a:extLst>
           </p:cNvPr>
@@ -17518,29 +17535,38 @@
         </p:nvSpPr>
         <p:spPr/>
         <p:txBody>
-          <a:bodyPr>
-            <a:normAutofit/>
-          </a:bodyPr>
-          <a:lstStyle/>
+          <a:bodyPr/>
+          <a:lstStyle/>
+          <a:p>
+            <a:r>
+              <a:rPr lang="en" altLang="ja-JP" sz="2400" dirty="0"/>
+              <a:t>moving from solution to solution in the space of candidate solutions by applying local changes</a:t>
+            </a:r>
+          </a:p>
+          <a:p>
+            <a:r>
+              <a:rPr lang="en" altLang="ja-JP" sz="2400" dirty="0"/>
+              <a:t>We repeat until the termination condition is satisfied</a:t>
+            </a:r>
+          </a:p>
           <a:p>
             <a:r>
               <a:rPr lang="en-US" altLang="ja-JP" sz="2400" dirty="0"/>
-              <a:t>I created a simple heuristic that can satisfy some constraints. </a:t>
-            </a:r>
-          </a:p>
-          <a:p>
-            <a:r>
-              <a:rPr lang="en-US" altLang="ja-JP" sz="2400" dirty="0"/>
-              <a:t>There are many constraints that need to be implemented.</a:t>
-            </a:r>
-            <a:endParaRPr kumimoji="1" lang="ja-JP" altLang="en-US" sz="2400"/>
+              <a:t>In this research, we use shift and swap neighborhood</a:t>
+            </a:r>
+          </a:p>
+          <a:p>
+            <a:endParaRPr lang="en" altLang="ja-JP" sz="2400" dirty="0"/>
+          </a:p>
+          <a:p>
+            <a:endParaRPr kumimoji="1" lang="ja-JP" altLang="en-US"/>
           </a:p>
         </p:txBody>
       </p:sp>
     </p:spTree>
     <p:extLst>
       <p:ext uri="{BB962C8B-B14F-4D97-AF65-F5344CB8AC3E}">
-        <p14:creationId xmlns:p14="http://schemas.microsoft.com/office/powerpoint/2010/main" val="4216551076"/>
+        <p14:creationId xmlns:p14="http://schemas.microsoft.com/office/powerpoint/2010/main" val="2244460313"/>
       </p:ext>
     </p:extLst>
   </p:cSld>
@@ -17572,7 +17598,7 @@
           <p:cNvPr id="2" name="タイトル 1">
             <a:extLst>
               <a:ext uri="{FF2B5EF4-FFF2-40B4-BE49-F238E27FC236}">
-                <a16:creationId xmlns:a16="http://schemas.microsoft.com/office/drawing/2014/main" id="{7A74A867-EBEB-2F4D-8265-67DD34FA45C3}"/>
+                <a16:creationId xmlns:a16="http://schemas.microsoft.com/office/drawing/2014/main" id="{3D8A63EE-A0A1-4C4E-9821-A455B6473202}"/>
               </a:ext>
             </a:extLst>
           </p:cNvPr>
@@ -17590,7 +17616,7 @@
           <a:p>
             <a:r>
               <a:rPr kumimoji="1" lang="en-US" altLang="ja-JP" dirty="0"/>
-              <a:t>Summary &amp;future work</a:t>
+              <a:t>Neighborhood</a:t>
             </a:r>
             <a:endParaRPr kumimoji="1" lang="ja-JP" altLang="en-US"/>
           </a:p>
@@ -17601,7 +17627,7 @@
           <p:cNvPr id="3" name="コンテンツ プレースホルダー 2">
             <a:extLst>
               <a:ext uri="{FF2B5EF4-FFF2-40B4-BE49-F238E27FC236}">
-                <a16:creationId xmlns:a16="http://schemas.microsoft.com/office/drawing/2014/main" id="{248D57BC-E16B-2345-B115-CA7B5ECA4B39}"/>
+                <a16:creationId xmlns:a16="http://schemas.microsoft.com/office/drawing/2014/main" id="{240D5665-5F70-714B-87E9-C1AB005B3571}"/>
               </a:ext>
             </a:extLst>
           </p:cNvPr>
@@ -17612,12 +17638,7 @@
             <p:ph idx="1"/>
           </p:nvPr>
         </p:nvSpPr>
-        <p:spPr>
-          <a:xfrm>
-            <a:off x="2261665" y="1768521"/>
-            <a:ext cx="9434465" cy="4673221"/>
-          </a:xfrm>
-        </p:spPr>
+        <p:spPr/>
         <p:txBody>
           <a:bodyPr>
             <a:normAutofit/>
@@ -17625,50 +17646,968 @@
           <a:lstStyle/>
           <a:p>
             <a:r>
-              <a:rPr lang="en" altLang="ja-JP" sz="2400" dirty="0"/>
-              <a:t>Summary </a:t>
+              <a:rPr kumimoji="1" lang="en-US" altLang="ja-JP" sz="2400" dirty="0"/>
+              <a:t>Shift neighborhood</a:t>
             </a:r>
           </a:p>
           <a:p>
             <a:pPr lvl="1"/>
             <a:r>
-              <a:rPr lang="en" altLang="ja-JP" sz="2200" dirty="0"/>
-              <a:t>We confirmed that we can get good solutions for small bookings.</a:t>
+              <a:rPr kumimoji="1" lang="en-US" altLang="ja-JP" sz="2400" dirty="0"/>
+              <a:t>This is obtained by</a:t>
+            </a:r>
+            <a:r>
+              <a:rPr kumimoji="1" lang="ja-JP" altLang="en-US" sz="2400"/>
+              <a:t> </a:t>
+            </a:r>
+            <a:r>
+              <a:rPr kumimoji="1" lang="en-US" altLang="ja-JP" sz="2400" dirty="0"/>
+              <a:t>reassigning one order which was assign to a segment to another segment</a:t>
+            </a:r>
+          </a:p>
+          <a:p>
+            <a:r>
+              <a:rPr kumimoji="1" lang="en-US" altLang="ja-JP" sz="2400" dirty="0"/>
+              <a:t>Swap </a:t>
+            </a:r>
+            <a:r>
+              <a:rPr lang="en-US" altLang="ja-JP" sz="2400" dirty="0"/>
+              <a:t>neighborhood</a:t>
             </a:r>
           </a:p>
           <a:p>
             <a:pPr lvl="1"/>
             <a:r>
-              <a:rPr lang="en" altLang="ja-JP" sz="2200" dirty="0"/>
-              <a:t>We proposed heuristic model to solve large bookings.</a:t>
-            </a:r>
-          </a:p>
-          <a:p>
-            <a:r>
-              <a:rPr lang="en" altLang="ja-JP" sz="2400" dirty="0"/>
-              <a:t>Future work</a:t>
-            </a:r>
-          </a:p>
-          <a:p>
-            <a:pPr lvl="1"/>
-            <a:r>
-              <a:rPr lang="en" altLang="ja-JP" sz="2400" dirty="0"/>
-              <a:t>Implementing the program</a:t>
-            </a:r>
-          </a:p>
-          <a:p>
-            <a:pPr lvl="1"/>
-            <a:r>
-              <a:rPr lang="en" altLang="ja-JP" sz="2400" dirty="0"/>
-              <a:t>Compare the solution and computation time between previous model and heuristic model</a:t>
-            </a:r>
+              <a:rPr kumimoji="1" lang="en-US" altLang="ja-JP" sz="2400" dirty="0"/>
+              <a:t>This is obtained by s</a:t>
+            </a:r>
+            <a:r>
+              <a:rPr lang="en-US" altLang="ja-JP" sz="2400" dirty="0"/>
+              <a:t>wapping the allocated segments of two orders.</a:t>
+            </a:r>
+            <a:endParaRPr kumimoji="1" lang="ja-JP" altLang="en-US" sz="2400"/>
           </a:p>
         </p:txBody>
       </p:sp>
     </p:spTree>
     <p:extLst>
       <p:ext uri="{BB962C8B-B14F-4D97-AF65-F5344CB8AC3E}">
-        <p14:creationId xmlns:p14="http://schemas.microsoft.com/office/powerpoint/2010/main" val="547483656"/>
+        <p14:creationId xmlns:p14="http://schemas.microsoft.com/office/powerpoint/2010/main" val="719674508"/>
+      </p:ext>
+    </p:extLst>
+  </p:cSld>
+  <p:clrMapOvr>
+    <a:masterClrMapping/>
+  </p:clrMapOvr>
+</p:sld>
+</file>
+
+<file path=ppt/slides/slide37.xml><?xml version="1.0" encoding="utf-8"?>
+<p:sld xmlns:a="http://schemas.openxmlformats.org/drawingml/2006/main" xmlns:r="http://schemas.openxmlformats.org/officeDocument/2006/relationships" xmlns:p="http://schemas.openxmlformats.org/presentationml/2006/main">
+  <p:cSld>
+    <p:spTree>
+      <p:nvGrpSpPr>
+        <p:cNvPr id="1" name=""/>
+        <p:cNvGrpSpPr/>
+        <p:nvPr/>
+      </p:nvGrpSpPr>
+      <p:grpSpPr>
+        <a:xfrm>
+          <a:off x="0" y="0"/>
+          <a:ext cx="0" cy="0"/>
+          <a:chOff x="0" y="0"/>
+          <a:chExt cx="0" cy="0"/>
+        </a:xfrm>
+      </p:grpSpPr>
+      <p:sp>
+        <p:nvSpPr>
+          <p:cNvPr id="2" name="タイトル 1">
+            <a:extLst>
+              <a:ext uri="{FF2B5EF4-FFF2-40B4-BE49-F238E27FC236}">
+                <a16:creationId xmlns:a16="http://schemas.microsoft.com/office/drawing/2014/main" id="{0BE0AB04-8F34-BD4F-8DDD-608D0F3AC3BC}"/>
+              </a:ext>
+            </a:extLst>
+          </p:cNvPr>
+          <p:cNvSpPr>
+            <a:spLocks noGrp="1"/>
+          </p:cNvSpPr>
+          <p:nvPr>
+            <p:ph type="title"/>
+          </p:nvPr>
+        </p:nvSpPr>
+        <p:spPr/>
+        <p:txBody>
+          <a:bodyPr/>
+          <a:lstStyle/>
+          <a:p>
+            <a:r>
+              <a:rPr kumimoji="1" lang="en-US" altLang="ja-JP" dirty="0"/>
+              <a:t>Flow of local search</a:t>
+            </a:r>
+            <a:endParaRPr kumimoji="1" lang="ja-JP" altLang="en-US"/>
+          </a:p>
+        </p:txBody>
+      </p:sp>
+      <p:sp>
+        <p:nvSpPr>
+          <p:cNvPr id="3" name="コンテンツ プレースホルダー 2">
+            <a:extLst>
+              <a:ext uri="{FF2B5EF4-FFF2-40B4-BE49-F238E27FC236}">
+                <a16:creationId xmlns:a16="http://schemas.microsoft.com/office/drawing/2014/main" id="{EF816E5E-667D-8843-89E2-F9D0E26CD703}"/>
+              </a:ext>
+            </a:extLst>
+          </p:cNvPr>
+          <p:cNvSpPr>
+            <a:spLocks noGrp="1"/>
+          </p:cNvSpPr>
+          <p:nvPr>
+            <p:ph idx="1"/>
+          </p:nvPr>
+        </p:nvSpPr>
+        <p:spPr>
+          <a:xfrm>
+            <a:off x="2589211" y="2133600"/>
+            <a:ext cx="9271095" cy="3777622"/>
+          </a:xfrm>
+        </p:spPr>
+        <p:txBody>
+          <a:bodyPr>
+            <a:normAutofit/>
+          </a:bodyPr>
+          <a:lstStyle/>
+          <a:p>
+            <a:pPr>
+              <a:buFont typeface="+mj-lt"/>
+              <a:buAutoNum type="arabicPeriod"/>
+            </a:pPr>
+            <a:r>
+              <a:rPr lang="en" altLang="ja-JP" sz="2400" dirty="0"/>
+              <a:t>searching the shift neighborhood until no better solution is found.</a:t>
+            </a:r>
+          </a:p>
+          <a:p>
+            <a:pPr>
+              <a:buFont typeface="+mj-lt"/>
+              <a:buAutoNum type="arabicPeriod"/>
+            </a:pPr>
+            <a:r>
+              <a:rPr lang="en" altLang="ja-JP" sz="2400" dirty="0"/>
+              <a:t>searching the swap neighborhood until no better solution is found.</a:t>
+            </a:r>
+          </a:p>
+          <a:p>
+            <a:pPr>
+              <a:buFont typeface="+mj-lt"/>
+              <a:buAutoNum type="arabicPeriod"/>
+            </a:pPr>
+            <a:r>
+              <a:rPr lang="en" altLang="ja-JP" sz="2400" dirty="0"/>
+              <a:t>If better solution is found in step 1 or step 2,</a:t>
+            </a:r>
+            <a:r>
+              <a:rPr lang="en-US" altLang="ja-JP" sz="2400" dirty="0"/>
+              <a:t> return to step 1.</a:t>
+            </a:r>
+            <a:endParaRPr lang="en" altLang="ja-JP" sz="2400" dirty="0"/>
+          </a:p>
+        </p:txBody>
+      </p:sp>
+    </p:spTree>
+    <p:extLst>
+      <p:ext uri="{BB962C8B-B14F-4D97-AF65-F5344CB8AC3E}">
+        <p14:creationId xmlns:p14="http://schemas.microsoft.com/office/powerpoint/2010/main" val="1443573793"/>
+      </p:ext>
+    </p:extLst>
+  </p:cSld>
+  <p:clrMapOvr>
+    <a:masterClrMapping/>
+  </p:clrMapOvr>
+</p:sld>
+</file>
+
+<file path=ppt/slides/slide38.xml><?xml version="1.0" encoding="utf-8"?>
+<p:sld xmlns:a="http://schemas.openxmlformats.org/drawingml/2006/main" xmlns:r="http://schemas.openxmlformats.org/officeDocument/2006/relationships" xmlns:p="http://schemas.openxmlformats.org/presentationml/2006/main">
+  <p:cSld>
+    <p:spTree>
+      <p:nvGrpSpPr>
+        <p:cNvPr id="1" name=""/>
+        <p:cNvGrpSpPr/>
+        <p:nvPr/>
+      </p:nvGrpSpPr>
+      <p:grpSpPr>
+        <a:xfrm>
+          <a:off x="0" y="0"/>
+          <a:ext cx="0" cy="0"/>
+          <a:chOff x="0" y="0"/>
+          <a:chExt cx="0" cy="0"/>
+        </a:xfrm>
+      </p:grpSpPr>
+      <p:sp>
+        <p:nvSpPr>
+          <p:cNvPr id="2" name="タイトル 1">
+            <a:extLst>
+              <a:ext uri="{FF2B5EF4-FFF2-40B4-BE49-F238E27FC236}">
+                <a16:creationId xmlns:a16="http://schemas.microsoft.com/office/drawing/2014/main" id="{FEEFE181-A7D0-7146-B49E-65AC407C9C2B}"/>
+              </a:ext>
+            </a:extLst>
+          </p:cNvPr>
+          <p:cNvSpPr>
+            <a:spLocks noGrp="1"/>
+          </p:cNvSpPr>
+          <p:nvPr>
+            <p:ph type="title"/>
+          </p:nvPr>
+        </p:nvSpPr>
+        <p:spPr/>
+        <p:txBody>
+          <a:bodyPr/>
+          <a:lstStyle/>
+          <a:p>
+            <a:r>
+              <a:rPr kumimoji="1" lang="en-US" altLang="ja-JP" dirty="0"/>
+              <a:t>Current situation of  implementation</a:t>
+            </a:r>
+            <a:endParaRPr kumimoji="1" lang="ja-JP" altLang="en-US"/>
+          </a:p>
+        </p:txBody>
+      </p:sp>
+      <p:sp>
+        <p:nvSpPr>
+          <p:cNvPr id="3" name="コンテンツ プレースホルダー 2">
+            <a:extLst>
+              <a:ext uri="{FF2B5EF4-FFF2-40B4-BE49-F238E27FC236}">
+                <a16:creationId xmlns:a16="http://schemas.microsoft.com/office/drawing/2014/main" id="{F34D1FFA-7F21-1B4A-B2CC-C1C3F36A6C10}"/>
+              </a:ext>
+            </a:extLst>
+          </p:cNvPr>
+          <p:cNvSpPr>
+            <a:spLocks noGrp="1"/>
+          </p:cNvSpPr>
+          <p:nvPr>
+            <p:ph idx="1"/>
+          </p:nvPr>
+        </p:nvSpPr>
+        <p:spPr/>
+        <p:txBody>
+          <a:bodyPr>
+            <a:normAutofit lnSpcReduction="10000"/>
+          </a:bodyPr>
+          <a:lstStyle/>
+          <a:p>
+            <a:r>
+              <a:rPr lang="en-US" altLang="ja-JP" sz="2400" dirty="0"/>
+              <a:t>I created a simple heuristic that considers the following</a:t>
+            </a:r>
+          </a:p>
+          <a:p>
+            <a:pPr lvl="1"/>
+            <a:r>
+              <a:rPr lang="en-US" altLang="ja-JP" sz="2200" dirty="0"/>
+              <a:t>Constraints</a:t>
+            </a:r>
+          </a:p>
+          <a:p>
+            <a:pPr lvl="2"/>
+            <a:r>
+              <a:rPr lang="en-US" altLang="ja-JP" sz="2000" dirty="0"/>
+              <a:t>Number of vehicles that can be loaded in the hold</a:t>
+            </a:r>
+          </a:p>
+          <a:p>
+            <a:pPr lvl="2"/>
+            <a:r>
+              <a:rPr lang="en-US" altLang="ja-JP" sz="2000" dirty="0"/>
+              <a:t>Travel paths in the route</a:t>
+            </a:r>
+          </a:p>
+          <a:p>
+            <a:pPr lvl="2"/>
+            <a:r>
+              <a:rPr lang="en-US" altLang="ja-JP" sz="2000" dirty="0"/>
+              <a:t>Weight balance of cargo</a:t>
+            </a:r>
+          </a:p>
+          <a:p>
+            <a:pPr lvl="1"/>
+            <a:r>
+              <a:rPr lang="en-US" altLang="ja-JP" sz="2200" dirty="0"/>
+              <a:t>Objective</a:t>
+            </a:r>
+          </a:p>
+          <a:p>
+            <a:pPr lvl="2"/>
+            <a:r>
+              <a:rPr lang="en-US" altLang="ja-JP" sz="2000" dirty="0"/>
+              <a:t>avoiding multiple orders in one hold</a:t>
+            </a:r>
+          </a:p>
+          <a:p>
+            <a:pPr lvl="2"/>
+            <a:endParaRPr lang="en-US" altLang="ja-JP" sz="2000" dirty="0"/>
+          </a:p>
+          <a:p>
+            <a:r>
+              <a:rPr lang="en-US" altLang="ja-JP" sz="2400" dirty="0"/>
+              <a:t>a few things objectives to implement…</a:t>
+            </a:r>
+          </a:p>
+        </p:txBody>
+      </p:sp>
+    </p:spTree>
+    <p:extLst>
+      <p:ext uri="{BB962C8B-B14F-4D97-AF65-F5344CB8AC3E}">
+        <p14:creationId xmlns:p14="http://schemas.microsoft.com/office/powerpoint/2010/main" val="4216551076"/>
+      </p:ext>
+    </p:extLst>
+  </p:cSld>
+  <p:clrMapOvr>
+    <a:masterClrMapping/>
+  </p:clrMapOvr>
+</p:sld>
+</file>
+
+<file path=ppt/slides/slide39.xml><?xml version="1.0" encoding="utf-8"?>
+<p:sld xmlns:a="http://schemas.openxmlformats.org/drawingml/2006/main" xmlns:r="http://schemas.openxmlformats.org/officeDocument/2006/relationships" xmlns:p="http://schemas.openxmlformats.org/presentationml/2006/main">
+  <p:cSld>
+    <p:spTree>
+      <p:nvGrpSpPr>
+        <p:cNvPr id="1" name=""/>
+        <p:cNvGrpSpPr/>
+        <p:nvPr/>
+      </p:nvGrpSpPr>
+      <p:grpSpPr>
+        <a:xfrm>
+          <a:off x="0" y="0"/>
+          <a:ext cx="0" cy="0"/>
+          <a:chOff x="0" y="0"/>
+          <a:chExt cx="0" cy="0"/>
+        </a:xfrm>
+      </p:grpSpPr>
+      <p:sp>
+        <p:nvSpPr>
+          <p:cNvPr id="2" name="タイトル 1">
+            <a:extLst>
+              <a:ext uri="{FF2B5EF4-FFF2-40B4-BE49-F238E27FC236}">
+                <a16:creationId xmlns:a16="http://schemas.microsoft.com/office/drawing/2014/main" id="{0F3E9755-7D4C-E140-A34C-76DD3CC7C081}"/>
+              </a:ext>
+            </a:extLst>
+          </p:cNvPr>
+          <p:cNvSpPr>
+            <a:spLocks noGrp="1"/>
+          </p:cNvSpPr>
+          <p:nvPr>
+            <p:ph type="title"/>
+          </p:nvPr>
+        </p:nvSpPr>
+        <p:spPr/>
+        <p:txBody>
+          <a:bodyPr/>
+          <a:lstStyle/>
+          <a:p>
+            <a:r>
+              <a:rPr lang="en-US" altLang="ja-JP" dirty="0"/>
+              <a:t>Computational experiment</a:t>
+            </a:r>
+            <a:endParaRPr kumimoji="1" lang="ja-JP" altLang="en-US"/>
+          </a:p>
+        </p:txBody>
+      </p:sp>
+      <p:graphicFrame>
+        <p:nvGraphicFramePr>
+          <p:cNvPr id="4" name="コンテンツ プレースホルダー 3">
+            <a:extLst>
+              <a:ext uri="{FF2B5EF4-FFF2-40B4-BE49-F238E27FC236}">
+                <a16:creationId xmlns:a16="http://schemas.microsoft.com/office/drawing/2014/main" id="{A43B9D2D-517B-CB46-A337-956322EC2B9A}"/>
+              </a:ext>
+            </a:extLst>
+          </p:cNvPr>
+          <p:cNvGraphicFramePr>
+            <a:graphicFrameLocks noGrp="1"/>
+          </p:cNvGraphicFramePr>
+          <p:nvPr>
+            <p:ph idx="1"/>
+            <p:extLst>
+              <p:ext uri="{D42A27DB-BD31-4B8C-83A1-F6EECF244321}">
+                <p14:modId xmlns:p14="http://schemas.microsoft.com/office/powerpoint/2010/main" val="223922921"/>
+              </p:ext>
+            </p:extLst>
+          </p:nvPr>
+        </p:nvGraphicFramePr>
+        <p:xfrm>
+          <a:off x="2326341" y="2133599"/>
+          <a:ext cx="9332259" cy="3850341"/>
+        </p:xfrm>
+        <a:graphic>
+          <a:graphicData uri="http://schemas.openxmlformats.org/drawingml/2006/table">
+            <a:tbl>
+              <a:tblPr firstRow="1" bandRow="1">
+                <a:tableStyleId>{5C22544A-7EE6-4342-B048-85BDC9FD1C3A}</a:tableStyleId>
+              </a:tblPr>
+              <a:tblGrid>
+                <a:gridCol w="1801906">
+                  <a:extLst>
+                    <a:ext uri="{9D8B030D-6E8A-4147-A177-3AD203B41FA5}">
+                      <a16:colId xmlns:a16="http://schemas.microsoft.com/office/drawing/2014/main" val="3767232075"/>
+                    </a:ext>
+                  </a:extLst>
+                </a:gridCol>
+                <a:gridCol w="1801906">
+                  <a:extLst>
+                    <a:ext uri="{9D8B030D-6E8A-4147-A177-3AD203B41FA5}">
+                      <a16:colId xmlns:a16="http://schemas.microsoft.com/office/drawing/2014/main" val="3477330652"/>
+                    </a:ext>
+                  </a:extLst>
+                </a:gridCol>
+                <a:gridCol w="1801906">
+                  <a:extLst>
+                    <a:ext uri="{9D8B030D-6E8A-4147-A177-3AD203B41FA5}">
+                      <a16:colId xmlns:a16="http://schemas.microsoft.com/office/drawing/2014/main" val="2984689672"/>
+                    </a:ext>
+                  </a:extLst>
+                </a:gridCol>
+                <a:gridCol w="1801906">
+                  <a:extLst>
+                    <a:ext uri="{9D8B030D-6E8A-4147-A177-3AD203B41FA5}">
+                      <a16:colId xmlns:a16="http://schemas.microsoft.com/office/drawing/2014/main" val="3694173054"/>
+                    </a:ext>
+                  </a:extLst>
+                </a:gridCol>
+                <a:gridCol w="2124635">
+                  <a:extLst>
+                    <a:ext uri="{9D8B030D-6E8A-4147-A177-3AD203B41FA5}">
+                      <a16:colId xmlns:a16="http://schemas.microsoft.com/office/drawing/2014/main" val="608630972"/>
+                    </a:ext>
+                  </a:extLst>
+                </a:gridCol>
+              </a:tblGrid>
+              <a:tr h="1533006">
+                <a:tc>
+                  <a:txBody>
+                    <a:bodyPr/>
+                    <a:lstStyle/>
+                    <a:p>
+                      <a:r>
+                        <a:rPr kumimoji="1" lang="en-US" altLang="ja-JP" sz="2000" dirty="0" err="1"/>
+                        <a:t>Num</a:t>
+                      </a:r>
+                      <a:r>
+                        <a:rPr kumimoji="1" lang="en-US" altLang="ja-JP" sz="2000" dirty="0"/>
+                        <a:t> of orders</a:t>
+                      </a:r>
+                      <a:endParaRPr kumimoji="1" lang="ja-JP" altLang="en-US" sz="2000"/>
+                    </a:p>
+                  </a:txBody>
+                  <a:tcPr/>
+                </a:tc>
+                <a:tc>
+                  <a:txBody>
+                    <a:bodyPr/>
+                    <a:lstStyle/>
+                    <a:p>
+                      <a:r>
+                        <a:rPr kumimoji="1" lang="en-US" altLang="ja-JP" sz="2000" dirty="0" err="1"/>
+                        <a:t>Num</a:t>
+                      </a:r>
+                      <a:r>
+                        <a:rPr kumimoji="1" lang="en-US" altLang="ja-JP" sz="2000" dirty="0"/>
+                        <a:t> of loading ports</a:t>
+                      </a:r>
+                      <a:endParaRPr kumimoji="1" lang="ja-JP" altLang="en-US" sz="2000"/>
+                    </a:p>
+                  </a:txBody>
+                  <a:tcPr/>
+                </a:tc>
+                <a:tc>
+                  <a:txBody>
+                    <a:bodyPr/>
+                    <a:lstStyle/>
+                    <a:p>
+                      <a:r>
+                        <a:rPr kumimoji="1" lang="en-US" altLang="ja-JP" sz="2000" dirty="0" err="1"/>
+                        <a:t>Num</a:t>
+                      </a:r>
+                      <a:r>
+                        <a:rPr kumimoji="1" lang="en-US" altLang="ja-JP" sz="2000" dirty="0"/>
+                        <a:t> of destination ports</a:t>
+                      </a:r>
+                      <a:endParaRPr kumimoji="1" lang="ja-JP" altLang="en-US" sz="2000"/>
+                    </a:p>
+                  </a:txBody>
+                  <a:tcPr/>
+                </a:tc>
+                <a:tc>
+                  <a:txBody>
+                    <a:bodyPr/>
+                    <a:lstStyle/>
+                    <a:p>
+                      <a:r>
+                        <a:rPr kumimoji="1" lang="en-US" altLang="ja-JP" sz="2000" dirty="0"/>
+                        <a:t>computation time</a:t>
+                      </a:r>
+                    </a:p>
+                    <a:p>
+                      <a:r>
+                        <a:rPr kumimoji="1" lang="en-US" altLang="ja-JP" sz="2000" dirty="0"/>
+                        <a:t>(seconds)</a:t>
+                      </a:r>
+                      <a:endParaRPr kumimoji="1" lang="ja-JP" altLang="en-US" sz="2000"/>
+                    </a:p>
+                  </a:txBody>
+                  <a:tcPr/>
+                </a:tc>
+                <a:tc>
+                  <a:txBody>
+                    <a:bodyPr/>
+                    <a:lstStyle/>
+                    <a:p>
+                      <a:pPr marL="0" marR="0" lvl="0" indent="0" algn="l" defTabSz="457200" rtl="0" eaLnBrk="1" fontAlgn="auto" latinLnBrk="0" hangingPunct="1">
+                        <a:lnSpc>
+                          <a:spcPct val="100000"/>
+                        </a:lnSpc>
+                        <a:spcBef>
+                          <a:spcPts val="0"/>
+                        </a:spcBef>
+                        <a:spcAft>
+                          <a:spcPts val="0"/>
+                        </a:spcAft>
+                        <a:buClrTx/>
+                        <a:buSzTx/>
+                        <a:buFontTx/>
+                        <a:buNone/>
+                        <a:tabLst/>
+                        <a:defRPr/>
+                      </a:pPr>
+                      <a:r>
+                        <a:rPr kumimoji="1" lang="en" altLang="ja-JP" sz="1800" dirty="0"/>
+                        <a:t>when a feasible solution was found in the previous model </a:t>
+                      </a:r>
+                      <a:endParaRPr kumimoji="1" lang="ja-JP" altLang="en-US" sz="1800"/>
+                    </a:p>
+                  </a:txBody>
+                  <a:tcPr/>
+                </a:tc>
+                <a:extLst>
+                  <a:ext uri="{0D108BD9-81ED-4DB2-BD59-A6C34878D82A}">
+                    <a16:rowId xmlns:a16="http://schemas.microsoft.com/office/drawing/2014/main" val="3667031896"/>
+                  </a:ext>
+                </a:extLst>
+              </a:tr>
+              <a:tr h="463467">
+                <a:tc>
+                  <a:txBody>
+                    <a:bodyPr/>
+                    <a:lstStyle/>
+                    <a:p>
+                      <a:pPr algn="ctr"/>
+                      <a:r>
+                        <a:rPr kumimoji="1" lang="en-US" altLang="ja-JP" sz="2000" dirty="0"/>
+                        <a:t>109</a:t>
+                      </a:r>
+                      <a:endParaRPr kumimoji="1" lang="ja-JP" altLang="en-US" sz="2000"/>
+                    </a:p>
+                  </a:txBody>
+                  <a:tcPr/>
+                </a:tc>
+                <a:tc>
+                  <a:txBody>
+                    <a:bodyPr/>
+                    <a:lstStyle/>
+                    <a:p>
+                      <a:pPr algn="ctr"/>
+                      <a:r>
+                        <a:rPr kumimoji="1" lang="en-US" altLang="ja-JP" sz="2000" dirty="0"/>
+                        <a:t>2</a:t>
+                      </a:r>
+                      <a:endParaRPr kumimoji="1" lang="ja-JP" altLang="en-US" sz="2000"/>
+                    </a:p>
+                  </a:txBody>
+                  <a:tcPr/>
+                </a:tc>
+                <a:tc>
+                  <a:txBody>
+                    <a:bodyPr/>
+                    <a:lstStyle/>
+                    <a:p>
+                      <a:pPr algn="ctr"/>
+                      <a:r>
+                        <a:rPr kumimoji="1" lang="en-US" altLang="ja-JP" sz="2000" dirty="0"/>
+                        <a:t>3</a:t>
+                      </a:r>
+                      <a:endParaRPr kumimoji="1" lang="ja-JP" altLang="en-US" sz="2000"/>
+                    </a:p>
+                  </a:txBody>
+                  <a:tcPr/>
+                </a:tc>
+                <a:tc>
+                  <a:txBody>
+                    <a:bodyPr/>
+                    <a:lstStyle/>
+                    <a:p>
+                      <a:pPr algn="ctr"/>
+                      <a:r>
+                        <a:rPr kumimoji="1" lang="en-US" altLang="ja-JP" sz="2000" dirty="0"/>
+                        <a:t>243</a:t>
+                      </a:r>
+                      <a:endParaRPr kumimoji="1" lang="ja-JP" altLang="en-US" sz="2000"/>
+                    </a:p>
+                  </a:txBody>
+                  <a:tcPr/>
+                </a:tc>
+                <a:tc>
+                  <a:txBody>
+                    <a:bodyPr/>
+                    <a:lstStyle/>
+                    <a:p>
+                      <a:pPr algn="ctr"/>
+                      <a:r>
+                        <a:rPr kumimoji="1" lang="en-US" altLang="ja-JP" sz="2000" dirty="0"/>
+                        <a:t>537</a:t>
+                      </a:r>
+                      <a:endParaRPr kumimoji="1" lang="ja-JP" altLang="en-US" sz="2000"/>
+                    </a:p>
+                  </a:txBody>
+                  <a:tcPr/>
+                </a:tc>
+                <a:extLst>
+                  <a:ext uri="{0D108BD9-81ED-4DB2-BD59-A6C34878D82A}">
+                    <a16:rowId xmlns:a16="http://schemas.microsoft.com/office/drawing/2014/main" val="2690316513"/>
+                  </a:ext>
+                </a:extLst>
+              </a:tr>
+              <a:tr h="463467">
+                <a:tc>
+                  <a:txBody>
+                    <a:bodyPr/>
+                    <a:lstStyle/>
+                    <a:p>
+                      <a:pPr algn="ctr"/>
+                      <a:r>
+                        <a:rPr kumimoji="1" lang="en-US" altLang="ja-JP" sz="2000" dirty="0"/>
+                        <a:t>109</a:t>
+                      </a:r>
+                      <a:endParaRPr kumimoji="1" lang="ja-JP" altLang="en-US" sz="2000"/>
+                    </a:p>
+                  </a:txBody>
+                  <a:tcPr/>
+                </a:tc>
+                <a:tc>
+                  <a:txBody>
+                    <a:bodyPr/>
+                    <a:lstStyle/>
+                    <a:p>
+                      <a:pPr algn="ctr"/>
+                      <a:r>
+                        <a:rPr kumimoji="1" lang="en-US" altLang="ja-JP" sz="2000" dirty="0"/>
+                        <a:t>2</a:t>
+                      </a:r>
+                    </a:p>
+                  </a:txBody>
+                  <a:tcPr/>
+                </a:tc>
+                <a:tc>
+                  <a:txBody>
+                    <a:bodyPr/>
+                    <a:lstStyle/>
+                    <a:p>
+                      <a:pPr algn="ctr"/>
+                      <a:r>
+                        <a:rPr kumimoji="1" lang="en-US" altLang="ja-JP" sz="2000" dirty="0"/>
+                        <a:t>5</a:t>
+                      </a:r>
+                      <a:endParaRPr kumimoji="1" lang="ja-JP" altLang="en-US" sz="2000"/>
+                    </a:p>
+                  </a:txBody>
+                  <a:tcPr/>
+                </a:tc>
+                <a:tc>
+                  <a:txBody>
+                    <a:bodyPr/>
+                    <a:lstStyle/>
+                    <a:p>
+                      <a:pPr algn="ctr"/>
+                      <a:r>
+                        <a:rPr kumimoji="1" lang="en-US" altLang="ja-JP" sz="2000" dirty="0"/>
+                        <a:t>318</a:t>
+                      </a:r>
+                      <a:endParaRPr kumimoji="1" lang="ja-JP" altLang="en-US" sz="2000"/>
+                    </a:p>
+                  </a:txBody>
+                  <a:tcPr/>
+                </a:tc>
+                <a:tc>
+                  <a:txBody>
+                    <a:bodyPr/>
+                    <a:lstStyle/>
+                    <a:p>
+                      <a:pPr algn="ctr"/>
+                      <a:r>
+                        <a:rPr kumimoji="1" lang="en-US" altLang="ja-JP" sz="2000" dirty="0"/>
+                        <a:t>1674</a:t>
+                      </a:r>
+                      <a:endParaRPr kumimoji="1" lang="ja-JP" altLang="en-US" sz="2000"/>
+                    </a:p>
+                  </a:txBody>
+                  <a:tcPr/>
+                </a:tc>
+                <a:extLst>
+                  <a:ext uri="{0D108BD9-81ED-4DB2-BD59-A6C34878D82A}">
+                    <a16:rowId xmlns:a16="http://schemas.microsoft.com/office/drawing/2014/main" val="323683789"/>
+                  </a:ext>
+                </a:extLst>
+              </a:tr>
+              <a:tr h="463467">
+                <a:tc>
+                  <a:txBody>
+                    <a:bodyPr/>
+                    <a:lstStyle/>
+                    <a:p>
+                      <a:pPr algn="ctr"/>
+                      <a:r>
+                        <a:rPr kumimoji="1" lang="en-US" altLang="ja-JP" sz="2000" dirty="0"/>
+                        <a:t>109</a:t>
+                      </a:r>
+                      <a:endParaRPr kumimoji="1" lang="ja-JP" altLang="en-US" sz="2000"/>
+                    </a:p>
+                  </a:txBody>
+                  <a:tcPr/>
+                </a:tc>
+                <a:tc>
+                  <a:txBody>
+                    <a:bodyPr/>
+                    <a:lstStyle/>
+                    <a:p>
+                      <a:pPr algn="ctr"/>
+                      <a:r>
+                        <a:rPr kumimoji="1" lang="en-US" altLang="ja-JP" sz="2000" dirty="0"/>
+                        <a:t>4</a:t>
+                      </a:r>
+                    </a:p>
+                  </a:txBody>
+                  <a:tcPr/>
+                </a:tc>
+                <a:tc>
+                  <a:txBody>
+                    <a:bodyPr/>
+                    <a:lstStyle/>
+                    <a:p>
+                      <a:pPr algn="ctr"/>
+                      <a:r>
+                        <a:rPr kumimoji="1" lang="en-US" altLang="ja-JP" sz="2000" dirty="0"/>
+                        <a:t>3</a:t>
+                      </a:r>
+                      <a:endParaRPr kumimoji="1" lang="ja-JP" altLang="en-US" sz="2000"/>
+                    </a:p>
+                  </a:txBody>
+                  <a:tcPr/>
+                </a:tc>
+                <a:tc>
+                  <a:txBody>
+                    <a:bodyPr/>
+                    <a:lstStyle/>
+                    <a:p>
+                      <a:pPr algn="ctr"/>
+                      <a:r>
+                        <a:rPr kumimoji="1" lang="en-US" altLang="ja-JP" sz="2000" dirty="0"/>
+                        <a:t>229</a:t>
+                      </a:r>
+                      <a:endParaRPr kumimoji="1" lang="ja-JP" altLang="en-US" sz="2000"/>
+                    </a:p>
+                  </a:txBody>
+                  <a:tcPr/>
+                </a:tc>
+                <a:tc>
+                  <a:txBody>
+                    <a:bodyPr/>
+                    <a:lstStyle/>
+                    <a:p>
+                      <a:pPr algn="ctr"/>
+                      <a:r>
+                        <a:rPr kumimoji="1" lang="en-US" altLang="ja-JP" sz="2000" dirty="0"/>
+                        <a:t>344</a:t>
+                      </a:r>
+                      <a:endParaRPr kumimoji="1" lang="ja-JP" altLang="en-US" sz="2000"/>
+                    </a:p>
+                  </a:txBody>
+                  <a:tcPr/>
+                </a:tc>
+                <a:extLst>
+                  <a:ext uri="{0D108BD9-81ED-4DB2-BD59-A6C34878D82A}">
+                    <a16:rowId xmlns:a16="http://schemas.microsoft.com/office/drawing/2014/main" val="1536353699"/>
+                  </a:ext>
+                </a:extLst>
+              </a:tr>
+              <a:tr h="463467">
+                <a:tc>
+                  <a:txBody>
+                    <a:bodyPr/>
+                    <a:lstStyle/>
+                    <a:p>
+                      <a:pPr algn="ctr"/>
+                      <a:r>
+                        <a:rPr kumimoji="1" lang="en-US" altLang="ja-JP" sz="2000" dirty="0"/>
+                        <a:t>250</a:t>
+                      </a:r>
+                      <a:endParaRPr kumimoji="1" lang="ja-JP" altLang="en-US" sz="2000"/>
+                    </a:p>
+                  </a:txBody>
+                  <a:tcPr/>
+                </a:tc>
+                <a:tc>
+                  <a:txBody>
+                    <a:bodyPr/>
+                    <a:lstStyle/>
+                    <a:p>
+                      <a:pPr algn="ctr"/>
+                      <a:r>
+                        <a:rPr kumimoji="1" lang="en-US" altLang="ja-JP" sz="2000" dirty="0"/>
+                        <a:t>2</a:t>
+                      </a:r>
+                      <a:endParaRPr kumimoji="1" lang="ja-JP" altLang="en-US" sz="2000"/>
+                    </a:p>
+                  </a:txBody>
+                  <a:tcPr/>
+                </a:tc>
+                <a:tc>
+                  <a:txBody>
+                    <a:bodyPr/>
+                    <a:lstStyle/>
+                    <a:p>
+                      <a:pPr algn="ctr"/>
+                      <a:r>
+                        <a:rPr kumimoji="1" lang="en-US" altLang="ja-JP" sz="2000" dirty="0"/>
+                        <a:t>3</a:t>
+                      </a:r>
+                      <a:endParaRPr kumimoji="1" lang="ja-JP" altLang="en-US" sz="2000"/>
+                    </a:p>
+                  </a:txBody>
+                  <a:tcPr/>
+                </a:tc>
+                <a:tc>
+                  <a:txBody>
+                    <a:bodyPr/>
+                    <a:lstStyle/>
+                    <a:p>
+                      <a:pPr algn="ctr"/>
+                      <a:r>
+                        <a:rPr kumimoji="1" lang="en-US" altLang="ja-JP" sz="2000" dirty="0"/>
+                        <a:t>177</a:t>
+                      </a:r>
+                      <a:endParaRPr kumimoji="1" lang="ja-JP" altLang="en-US" sz="2000"/>
+                    </a:p>
+                  </a:txBody>
+                  <a:tcPr/>
+                </a:tc>
+                <a:tc>
+                  <a:txBody>
+                    <a:bodyPr/>
+                    <a:lstStyle/>
+                    <a:p>
+                      <a:pPr algn="ctr"/>
+                      <a:r>
+                        <a:rPr kumimoji="1" lang="en-US" altLang="ja-JP" sz="2000" dirty="0"/>
+                        <a:t>2381</a:t>
+                      </a:r>
+                      <a:endParaRPr kumimoji="1" lang="ja-JP" altLang="en-US" sz="2000"/>
+                    </a:p>
+                  </a:txBody>
+                  <a:tcPr/>
+                </a:tc>
+                <a:extLst>
+                  <a:ext uri="{0D108BD9-81ED-4DB2-BD59-A6C34878D82A}">
+                    <a16:rowId xmlns:a16="http://schemas.microsoft.com/office/drawing/2014/main" val="342577522"/>
+                  </a:ext>
+                </a:extLst>
+              </a:tr>
+              <a:tr h="463467">
+                <a:tc>
+                  <a:txBody>
+                    <a:bodyPr/>
+                    <a:lstStyle/>
+                    <a:p>
+                      <a:pPr algn="ctr"/>
+                      <a:r>
+                        <a:rPr kumimoji="1" lang="en-US" altLang="ja-JP" sz="2000" dirty="0"/>
+                        <a:t>350</a:t>
+                      </a:r>
+                      <a:endParaRPr kumimoji="1" lang="ja-JP" altLang="en-US" sz="2000"/>
+                    </a:p>
+                  </a:txBody>
+                  <a:tcPr/>
+                </a:tc>
+                <a:tc>
+                  <a:txBody>
+                    <a:bodyPr/>
+                    <a:lstStyle/>
+                    <a:p>
+                      <a:pPr algn="ctr"/>
+                      <a:r>
+                        <a:rPr kumimoji="1" lang="en-US" altLang="ja-JP" sz="2000" dirty="0"/>
+                        <a:t>2</a:t>
+                      </a:r>
+                      <a:endParaRPr kumimoji="1" lang="ja-JP" altLang="en-US" sz="2000"/>
+                    </a:p>
+                  </a:txBody>
+                  <a:tcPr/>
+                </a:tc>
+                <a:tc>
+                  <a:txBody>
+                    <a:bodyPr/>
+                    <a:lstStyle/>
+                    <a:p>
+                      <a:pPr algn="ctr"/>
+                      <a:r>
+                        <a:rPr kumimoji="1" lang="en-US" altLang="ja-JP" sz="2000" dirty="0"/>
+                        <a:t>3</a:t>
+                      </a:r>
+                      <a:endParaRPr kumimoji="1" lang="ja-JP" altLang="en-US" sz="2000"/>
+                    </a:p>
+                  </a:txBody>
+                  <a:tcPr/>
+                </a:tc>
+                <a:tc>
+                  <a:txBody>
+                    <a:bodyPr/>
+                    <a:lstStyle/>
+                    <a:p>
+                      <a:pPr algn="ctr"/>
+                      <a:r>
+                        <a:rPr kumimoji="1" lang="en-US" altLang="ja-JP" sz="2000" dirty="0"/>
+                        <a:t>1852</a:t>
+                      </a:r>
+                      <a:endParaRPr kumimoji="1" lang="ja-JP" altLang="en-US" sz="2000"/>
+                    </a:p>
+                  </a:txBody>
+                  <a:tcPr/>
+                </a:tc>
+                <a:tc>
+                  <a:txBody>
+                    <a:bodyPr/>
+                    <a:lstStyle/>
+                    <a:p>
+                      <a:pPr algn="ctr"/>
+                      <a:r>
+                        <a:rPr kumimoji="1" lang="en-US" altLang="ja-JP" sz="2000" dirty="0"/>
+                        <a:t>2249</a:t>
+                      </a:r>
+                      <a:endParaRPr kumimoji="1" lang="ja-JP" altLang="en-US" sz="2000"/>
+                    </a:p>
+                  </a:txBody>
+                  <a:tcPr/>
+                </a:tc>
+                <a:extLst>
+                  <a:ext uri="{0D108BD9-81ED-4DB2-BD59-A6C34878D82A}">
+                    <a16:rowId xmlns:a16="http://schemas.microsoft.com/office/drawing/2014/main" val="458223093"/>
+                  </a:ext>
+                </a:extLst>
+              </a:tr>
+            </a:tbl>
+          </a:graphicData>
+        </a:graphic>
+      </p:graphicFrame>
+    </p:spTree>
+    <p:extLst>
+      <p:ext uri="{BB962C8B-B14F-4D97-AF65-F5344CB8AC3E}">
+        <p14:creationId xmlns:p14="http://schemas.microsoft.com/office/powerpoint/2010/main" val="4118587773"/>
       </p:ext>
     </p:extLst>
   </p:cSld>
@@ -17779,6 +18718,142 @@
     <p:extLst>
       <p:ext uri="{BB962C8B-B14F-4D97-AF65-F5344CB8AC3E}">
         <p14:creationId xmlns:p14="http://schemas.microsoft.com/office/powerpoint/2010/main" val="3649340498"/>
+      </p:ext>
+    </p:extLst>
+  </p:cSld>
+  <p:clrMapOvr>
+    <a:masterClrMapping/>
+  </p:clrMapOvr>
+</p:sld>
+</file>
+
+<file path=ppt/slides/slide40.xml><?xml version="1.0" encoding="utf-8"?>
+<p:sld xmlns:a="http://schemas.openxmlformats.org/drawingml/2006/main" xmlns:r="http://schemas.openxmlformats.org/officeDocument/2006/relationships" xmlns:p="http://schemas.openxmlformats.org/presentationml/2006/main">
+  <p:cSld>
+    <p:spTree>
+      <p:nvGrpSpPr>
+        <p:cNvPr id="1" name=""/>
+        <p:cNvGrpSpPr/>
+        <p:nvPr/>
+      </p:nvGrpSpPr>
+      <p:grpSpPr>
+        <a:xfrm>
+          <a:off x="0" y="0"/>
+          <a:ext cx="0" cy="0"/>
+          <a:chOff x="0" y="0"/>
+          <a:chExt cx="0" cy="0"/>
+        </a:xfrm>
+      </p:grpSpPr>
+      <p:sp>
+        <p:nvSpPr>
+          <p:cNvPr id="2" name="タイトル 1">
+            <a:extLst>
+              <a:ext uri="{FF2B5EF4-FFF2-40B4-BE49-F238E27FC236}">
+                <a16:creationId xmlns:a16="http://schemas.microsoft.com/office/drawing/2014/main" id="{7A74A867-EBEB-2F4D-8265-67DD34FA45C3}"/>
+              </a:ext>
+            </a:extLst>
+          </p:cNvPr>
+          <p:cNvSpPr>
+            <a:spLocks noGrp="1"/>
+          </p:cNvSpPr>
+          <p:nvPr>
+            <p:ph type="title"/>
+          </p:nvPr>
+        </p:nvSpPr>
+        <p:spPr/>
+        <p:txBody>
+          <a:bodyPr/>
+          <a:lstStyle/>
+          <a:p>
+            <a:r>
+              <a:rPr kumimoji="1" lang="en-US" altLang="ja-JP" dirty="0"/>
+              <a:t>Summary &amp;future work</a:t>
+            </a:r>
+            <a:endParaRPr kumimoji="1" lang="ja-JP" altLang="en-US"/>
+          </a:p>
+        </p:txBody>
+      </p:sp>
+      <p:sp>
+        <p:nvSpPr>
+          <p:cNvPr id="3" name="コンテンツ プレースホルダー 2">
+            <a:extLst>
+              <a:ext uri="{FF2B5EF4-FFF2-40B4-BE49-F238E27FC236}">
+                <a16:creationId xmlns:a16="http://schemas.microsoft.com/office/drawing/2014/main" id="{248D57BC-E16B-2345-B115-CA7B5ECA4B39}"/>
+              </a:ext>
+            </a:extLst>
+          </p:cNvPr>
+          <p:cNvSpPr>
+            <a:spLocks noGrp="1"/>
+          </p:cNvSpPr>
+          <p:nvPr>
+            <p:ph idx="1"/>
+          </p:nvPr>
+        </p:nvSpPr>
+        <p:spPr>
+          <a:xfrm>
+            <a:off x="2261665" y="1768521"/>
+            <a:ext cx="9434465" cy="4673221"/>
+          </a:xfrm>
+        </p:spPr>
+        <p:txBody>
+          <a:bodyPr>
+            <a:normAutofit/>
+          </a:bodyPr>
+          <a:lstStyle/>
+          <a:p>
+            <a:r>
+              <a:rPr lang="en" altLang="ja-JP" sz="2400" dirty="0"/>
+              <a:t>Summary </a:t>
+            </a:r>
+          </a:p>
+          <a:p>
+            <a:pPr lvl="1"/>
+            <a:r>
+              <a:rPr lang="en" altLang="ja-JP" sz="2200" dirty="0"/>
+              <a:t>We confirmed that we can get good solutions for small bookings.</a:t>
+            </a:r>
+          </a:p>
+          <a:p>
+            <a:pPr lvl="1"/>
+            <a:r>
+              <a:rPr lang="en" altLang="ja-JP" sz="2200" dirty="0"/>
+              <a:t>We proposed heuristic model to solve large bookings.</a:t>
+            </a:r>
+          </a:p>
+          <a:p>
+            <a:pPr lvl="1"/>
+            <a:r>
+              <a:rPr lang="en" altLang="ja-JP" sz="2200" dirty="0"/>
+              <a:t>For simple models, we confirmed that the computation time can be reduced</a:t>
+            </a:r>
+          </a:p>
+          <a:p>
+            <a:r>
+              <a:rPr lang="en" altLang="ja-JP" sz="2400" dirty="0"/>
+              <a:t>Future work</a:t>
+            </a:r>
+          </a:p>
+          <a:p>
+            <a:pPr lvl="1"/>
+            <a:r>
+              <a:rPr lang="en" altLang="ja-JP" sz="2400" dirty="0"/>
+              <a:t>Implementing the program</a:t>
+            </a:r>
+          </a:p>
+          <a:p>
+            <a:pPr lvl="1"/>
+            <a:r>
+              <a:rPr lang="en" altLang="ja-JP" sz="2400"/>
+              <a:t>Proposing an approach to find the global optimal solution.</a:t>
+            </a:r>
+            <a:endParaRPr lang="en" altLang="ja-JP" sz="2400" dirty="0"/>
+          </a:p>
+        </p:txBody>
+      </p:sp>
+    </p:spTree>
+    <p:extLst>
+      <p:ext uri="{BB962C8B-B14F-4D97-AF65-F5344CB8AC3E}">
+        <p14:creationId xmlns:p14="http://schemas.microsoft.com/office/powerpoint/2010/main" val="547483656"/>
       </p:ext>
     </p:extLst>
   </p:cSld>

--- a/竹田_合同研究会.pptx
+++ b/竹田_合同研究会.pptx
@@ -339,7 +339,7 @@
           <a:p>
             <a:fld id="{C8659C27-364E-C74E-8EB0-0FFA61AB3438}" type="datetimeFigureOut">
               <a:rPr kumimoji="1" lang="ja-JP" altLang="en-US" smtClean="0"/>
-              <a:t>2021/6/30</a:t>
+              <a:t>2021/7/6</a:t>
             </a:fld>
             <a:endParaRPr kumimoji="1" lang="ja-JP" altLang="en-US"/>
           </a:p>
@@ -714,7 +714,7 @@
           <a:p>
             <a:fld id="{C8659C27-364E-C74E-8EB0-0FFA61AB3438}" type="datetimeFigureOut">
               <a:rPr kumimoji="1" lang="ja-JP" altLang="en-US" smtClean="0"/>
-              <a:t>2021/6/30</a:t>
+              <a:t>2021/7/6</a:t>
             </a:fld>
             <a:endParaRPr kumimoji="1" lang="ja-JP" altLang="en-US"/>
           </a:p>
@@ -1189,7 +1189,7 @@
           <a:p>
             <a:fld id="{C8659C27-364E-C74E-8EB0-0FFA61AB3438}" type="datetimeFigureOut">
               <a:rPr kumimoji="1" lang="ja-JP" altLang="en-US" smtClean="0"/>
-              <a:t>2021/6/30</a:t>
+              <a:t>2021/7/6</a:t>
             </a:fld>
             <a:endParaRPr kumimoji="1" lang="ja-JP" altLang="en-US"/>
           </a:p>
@@ -1562,7 +1562,7 @@
           <a:p>
             <a:fld id="{C8659C27-364E-C74E-8EB0-0FFA61AB3438}" type="datetimeFigureOut">
               <a:rPr kumimoji="1" lang="ja-JP" altLang="en-US" smtClean="0"/>
-              <a:t>2021/6/30</a:t>
+              <a:t>2021/7/6</a:t>
             </a:fld>
             <a:endParaRPr kumimoji="1" lang="ja-JP" altLang="en-US"/>
           </a:p>
@@ -1956,7 +1956,7 @@
           <a:p>
             <a:fld id="{C8659C27-364E-C74E-8EB0-0FFA61AB3438}" type="datetimeFigureOut">
               <a:rPr kumimoji="1" lang="ja-JP" altLang="en-US" smtClean="0"/>
-              <a:t>2021/6/30</a:t>
+              <a:t>2021/7/6</a:t>
             </a:fld>
             <a:endParaRPr kumimoji="1" lang="ja-JP" altLang="en-US"/>
           </a:p>
@@ -2426,7 +2426,7 @@
           <a:p>
             <a:fld id="{C8659C27-364E-C74E-8EB0-0FFA61AB3438}" type="datetimeFigureOut">
               <a:rPr kumimoji="1" lang="ja-JP" altLang="en-US" smtClean="0"/>
-              <a:t>2021/6/30</a:t>
+              <a:t>2021/7/6</a:t>
             </a:fld>
             <a:endParaRPr kumimoji="1" lang="ja-JP" altLang="en-US"/>
           </a:p>
@@ -2691,7 +2691,7 @@
           <a:p>
             <a:fld id="{C8659C27-364E-C74E-8EB0-0FFA61AB3438}" type="datetimeFigureOut">
               <a:rPr kumimoji="1" lang="ja-JP" altLang="en-US" smtClean="0"/>
-              <a:t>2021/6/30</a:t>
+              <a:t>2021/7/6</a:t>
             </a:fld>
             <a:endParaRPr kumimoji="1" lang="ja-JP" altLang="en-US"/>
           </a:p>
@@ -2961,7 +2961,7 @@
           <a:p>
             <a:fld id="{C8659C27-364E-C74E-8EB0-0FFA61AB3438}" type="datetimeFigureOut">
               <a:rPr kumimoji="1" lang="ja-JP" altLang="en-US" smtClean="0"/>
-              <a:t>2021/6/30</a:t>
+              <a:t>2021/7/6</a:t>
             </a:fld>
             <a:endParaRPr kumimoji="1" lang="ja-JP" altLang="en-US"/>
           </a:p>
@@ -3231,7 +3231,7 @@
           <a:p>
             <a:fld id="{C8659C27-364E-C74E-8EB0-0FFA61AB3438}" type="datetimeFigureOut">
               <a:rPr kumimoji="1" lang="ja-JP" altLang="en-US" smtClean="0"/>
-              <a:t>2021/6/30</a:t>
+              <a:t>2021/7/6</a:t>
             </a:fld>
             <a:endParaRPr kumimoji="1" lang="ja-JP" altLang="en-US"/>
           </a:p>
@@ -3597,7 +3597,7 @@
           <a:p>
             <a:fld id="{C8659C27-364E-C74E-8EB0-0FFA61AB3438}" type="datetimeFigureOut">
               <a:rPr kumimoji="1" lang="ja-JP" altLang="en-US" smtClean="0"/>
-              <a:t>2021/6/30</a:t>
+              <a:t>2021/7/6</a:t>
             </a:fld>
             <a:endParaRPr kumimoji="1" lang="ja-JP" altLang="en-US"/>
           </a:p>
@@ -3936,7 +3936,7 @@
           <a:p>
             <a:fld id="{C8659C27-364E-C74E-8EB0-0FFA61AB3438}" type="datetimeFigureOut">
               <a:rPr kumimoji="1" lang="ja-JP" altLang="en-US" smtClean="0"/>
-              <a:t>2021/6/30</a:t>
+              <a:t>2021/7/6</a:t>
             </a:fld>
             <a:endParaRPr kumimoji="1" lang="ja-JP" altLang="en-US"/>
           </a:p>
@@ -4483,7 +4483,7 @@
           <a:p>
             <a:fld id="{C8659C27-364E-C74E-8EB0-0FFA61AB3438}" type="datetimeFigureOut">
               <a:rPr kumimoji="1" lang="ja-JP" altLang="en-US" smtClean="0"/>
-              <a:t>2021/6/30</a:t>
+              <a:t>2021/7/6</a:t>
             </a:fld>
             <a:endParaRPr kumimoji="1" lang="ja-JP" altLang="en-US"/>
           </a:p>
@@ -4688,7 +4688,7 @@
           <a:p>
             <a:fld id="{C8659C27-364E-C74E-8EB0-0FFA61AB3438}" type="datetimeFigureOut">
               <a:rPr kumimoji="1" lang="ja-JP" altLang="en-US" smtClean="0"/>
-              <a:t>2021/6/30</a:t>
+              <a:t>2021/7/6</a:t>
             </a:fld>
             <a:endParaRPr kumimoji="1" lang="ja-JP" altLang="en-US"/>
           </a:p>
@@ -4865,7 +4865,7 @@
           <a:p>
             <a:fld id="{C8659C27-364E-C74E-8EB0-0FFA61AB3438}" type="datetimeFigureOut">
               <a:rPr kumimoji="1" lang="ja-JP" altLang="en-US" smtClean="0"/>
-              <a:t>2021/6/30</a:t>
+              <a:t>2021/7/6</a:t>
             </a:fld>
             <a:endParaRPr kumimoji="1" lang="ja-JP" altLang="en-US"/>
           </a:p>
@@ -5243,7 +5243,7 @@
           <a:p>
             <a:fld id="{C8659C27-364E-C74E-8EB0-0FFA61AB3438}" type="datetimeFigureOut">
               <a:rPr kumimoji="1" lang="ja-JP" altLang="en-US" smtClean="0"/>
-              <a:t>2021/6/30</a:t>
+              <a:t>2021/7/6</a:t>
             </a:fld>
             <a:endParaRPr kumimoji="1" lang="ja-JP" altLang="en-US"/>
           </a:p>
@@ -5625,7 +5625,7 @@
           <a:p>
             <a:fld id="{C8659C27-364E-C74E-8EB0-0FFA61AB3438}" type="datetimeFigureOut">
               <a:rPr kumimoji="1" lang="ja-JP" altLang="en-US" smtClean="0"/>
-              <a:t>2021/6/30</a:t>
+              <a:t>2021/7/6</a:t>
             </a:fld>
             <a:endParaRPr kumimoji="1" lang="ja-JP" altLang="en-US"/>
           </a:p>
@@ -7750,7 +7750,7 @@
           <a:p>
             <a:fld id="{C8659C27-364E-C74E-8EB0-0FFA61AB3438}" type="datetimeFigureOut">
               <a:rPr kumimoji="1" lang="ja-JP" altLang="en-US" smtClean="0"/>
-              <a:t>2021/6/30</a:t>
+              <a:t>2021/7/6</a:t>
             </a:fld>
             <a:endParaRPr kumimoji="1" lang="ja-JP" altLang="en-US"/>
           </a:p>
@@ -16807,24 +16807,20 @@
           <a:p>
             <a:r>
               <a:rPr lang="en-US" altLang="ja-JP" sz="2400" dirty="0"/>
-              <a:t>It is based on the rule that on each floor,</a:t>
-            </a:r>
-            <a:r>
-              <a:rPr lang="ja-JP" altLang="en-US" sz="2400"/>
-              <a:t>　</a:t>
-            </a:r>
-            <a:r>
-              <a:rPr lang="en-US" altLang="ja-JP" sz="2400" dirty="0"/>
-              <a:t>planners assign the cars in order</a:t>
-            </a:r>
-            <a:r>
-              <a:rPr lang="ja-JP" altLang="en-US" sz="2400"/>
-              <a:t>　</a:t>
+              <a:t>It is based on the rule that on each floor, planners assign the cars in order </a:t>
             </a:r>
             <a:r>
               <a:rPr lang="en" altLang="ja-JP" sz="2400" dirty="0"/>
               <a:t>from the back hold to the hold with the ramp.</a:t>
             </a:r>
+          </a:p>
+          <a:p>
+            <a:r>
+              <a:rPr lang="en" altLang="ja-JP" sz="2400" dirty="0"/>
+              <a:t>this grouping enable the model to create assignment that is similar to planners'.</a:t>
+            </a:r>
+          </a:p>
+          <a:p>
             <a:endParaRPr kumimoji="1" lang="ja-JP" altLang="en-US" sz="2400"/>
           </a:p>
         </p:txBody>
@@ -18843,10 +18839,9 @@
           <a:p>
             <a:pPr lvl="1"/>
             <a:r>
-              <a:rPr lang="en" altLang="ja-JP" sz="2400"/>
+              <a:rPr lang="en" altLang="ja-JP" sz="2400" dirty="0"/>
               <a:t>Proposing an approach to find the global optimal solution.</a:t>
             </a:r>
-            <a:endParaRPr lang="en" altLang="ja-JP" sz="2400" dirty="0"/>
           </a:p>
         </p:txBody>
       </p:sp>

--- a/竹田_合同研究会.pptx
+++ b/竹田_合同研究会.pptx
@@ -339,7 +339,7 @@
           <a:p>
             <a:fld id="{C8659C27-364E-C74E-8EB0-0FFA61AB3438}" type="datetimeFigureOut">
               <a:rPr kumimoji="1" lang="ja-JP" altLang="en-US" smtClean="0"/>
-              <a:t>2021/7/6</a:t>
+              <a:t>2021/7/8</a:t>
             </a:fld>
             <a:endParaRPr kumimoji="1" lang="ja-JP" altLang="en-US"/>
           </a:p>
@@ -714,7 +714,7 @@
           <a:p>
             <a:fld id="{C8659C27-364E-C74E-8EB0-0FFA61AB3438}" type="datetimeFigureOut">
               <a:rPr kumimoji="1" lang="ja-JP" altLang="en-US" smtClean="0"/>
-              <a:t>2021/7/6</a:t>
+              <a:t>2021/7/8</a:t>
             </a:fld>
             <a:endParaRPr kumimoji="1" lang="ja-JP" altLang="en-US"/>
           </a:p>
@@ -1189,7 +1189,7 @@
           <a:p>
             <a:fld id="{C8659C27-364E-C74E-8EB0-0FFA61AB3438}" type="datetimeFigureOut">
               <a:rPr kumimoji="1" lang="ja-JP" altLang="en-US" smtClean="0"/>
-              <a:t>2021/7/6</a:t>
+              <a:t>2021/7/8</a:t>
             </a:fld>
             <a:endParaRPr kumimoji="1" lang="ja-JP" altLang="en-US"/>
           </a:p>
@@ -1562,7 +1562,7 @@
           <a:p>
             <a:fld id="{C8659C27-364E-C74E-8EB0-0FFA61AB3438}" type="datetimeFigureOut">
               <a:rPr kumimoji="1" lang="ja-JP" altLang="en-US" smtClean="0"/>
-              <a:t>2021/7/6</a:t>
+              <a:t>2021/7/8</a:t>
             </a:fld>
             <a:endParaRPr kumimoji="1" lang="ja-JP" altLang="en-US"/>
           </a:p>
@@ -1956,7 +1956,7 @@
           <a:p>
             <a:fld id="{C8659C27-364E-C74E-8EB0-0FFA61AB3438}" type="datetimeFigureOut">
               <a:rPr kumimoji="1" lang="ja-JP" altLang="en-US" smtClean="0"/>
-              <a:t>2021/7/6</a:t>
+              <a:t>2021/7/8</a:t>
             </a:fld>
             <a:endParaRPr kumimoji="1" lang="ja-JP" altLang="en-US"/>
           </a:p>
@@ -2426,7 +2426,7 @@
           <a:p>
             <a:fld id="{C8659C27-364E-C74E-8EB0-0FFA61AB3438}" type="datetimeFigureOut">
               <a:rPr kumimoji="1" lang="ja-JP" altLang="en-US" smtClean="0"/>
-              <a:t>2021/7/6</a:t>
+              <a:t>2021/7/8</a:t>
             </a:fld>
             <a:endParaRPr kumimoji="1" lang="ja-JP" altLang="en-US"/>
           </a:p>
@@ -2691,7 +2691,7 @@
           <a:p>
             <a:fld id="{C8659C27-364E-C74E-8EB0-0FFA61AB3438}" type="datetimeFigureOut">
               <a:rPr kumimoji="1" lang="ja-JP" altLang="en-US" smtClean="0"/>
-              <a:t>2021/7/6</a:t>
+              <a:t>2021/7/8</a:t>
             </a:fld>
             <a:endParaRPr kumimoji="1" lang="ja-JP" altLang="en-US"/>
           </a:p>
@@ -2961,7 +2961,7 @@
           <a:p>
             <a:fld id="{C8659C27-364E-C74E-8EB0-0FFA61AB3438}" type="datetimeFigureOut">
               <a:rPr kumimoji="1" lang="ja-JP" altLang="en-US" smtClean="0"/>
-              <a:t>2021/7/6</a:t>
+              <a:t>2021/7/8</a:t>
             </a:fld>
             <a:endParaRPr kumimoji="1" lang="ja-JP" altLang="en-US"/>
           </a:p>
@@ -3231,7 +3231,7 @@
           <a:p>
             <a:fld id="{C8659C27-364E-C74E-8EB0-0FFA61AB3438}" type="datetimeFigureOut">
               <a:rPr kumimoji="1" lang="ja-JP" altLang="en-US" smtClean="0"/>
-              <a:t>2021/7/6</a:t>
+              <a:t>2021/7/8</a:t>
             </a:fld>
             <a:endParaRPr kumimoji="1" lang="ja-JP" altLang="en-US"/>
           </a:p>
@@ -3597,7 +3597,7 @@
           <a:p>
             <a:fld id="{C8659C27-364E-C74E-8EB0-0FFA61AB3438}" type="datetimeFigureOut">
               <a:rPr kumimoji="1" lang="ja-JP" altLang="en-US" smtClean="0"/>
-              <a:t>2021/7/6</a:t>
+              <a:t>2021/7/8</a:t>
             </a:fld>
             <a:endParaRPr kumimoji="1" lang="ja-JP" altLang="en-US"/>
           </a:p>
@@ -3936,7 +3936,7 @@
           <a:p>
             <a:fld id="{C8659C27-364E-C74E-8EB0-0FFA61AB3438}" type="datetimeFigureOut">
               <a:rPr kumimoji="1" lang="ja-JP" altLang="en-US" smtClean="0"/>
-              <a:t>2021/7/6</a:t>
+              <a:t>2021/7/8</a:t>
             </a:fld>
             <a:endParaRPr kumimoji="1" lang="ja-JP" altLang="en-US"/>
           </a:p>
@@ -4483,7 +4483,7 @@
           <a:p>
             <a:fld id="{C8659C27-364E-C74E-8EB0-0FFA61AB3438}" type="datetimeFigureOut">
               <a:rPr kumimoji="1" lang="ja-JP" altLang="en-US" smtClean="0"/>
-              <a:t>2021/7/6</a:t>
+              <a:t>2021/7/8</a:t>
             </a:fld>
             <a:endParaRPr kumimoji="1" lang="ja-JP" altLang="en-US"/>
           </a:p>
@@ -4688,7 +4688,7 @@
           <a:p>
             <a:fld id="{C8659C27-364E-C74E-8EB0-0FFA61AB3438}" type="datetimeFigureOut">
               <a:rPr kumimoji="1" lang="ja-JP" altLang="en-US" smtClean="0"/>
-              <a:t>2021/7/6</a:t>
+              <a:t>2021/7/8</a:t>
             </a:fld>
             <a:endParaRPr kumimoji="1" lang="ja-JP" altLang="en-US"/>
           </a:p>
@@ -4865,7 +4865,7 @@
           <a:p>
             <a:fld id="{C8659C27-364E-C74E-8EB0-0FFA61AB3438}" type="datetimeFigureOut">
               <a:rPr kumimoji="1" lang="ja-JP" altLang="en-US" smtClean="0"/>
-              <a:t>2021/7/6</a:t>
+              <a:t>2021/7/8</a:t>
             </a:fld>
             <a:endParaRPr kumimoji="1" lang="ja-JP" altLang="en-US"/>
           </a:p>
@@ -5243,7 +5243,7 @@
           <a:p>
             <a:fld id="{C8659C27-364E-C74E-8EB0-0FFA61AB3438}" type="datetimeFigureOut">
               <a:rPr kumimoji="1" lang="ja-JP" altLang="en-US" smtClean="0"/>
-              <a:t>2021/7/6</a:t>
+              <a:t>2021/7/8</a:t>
             </a:fld>
             <a:endParaRPr kumimoji="1" lang="ja-JP" altLang="en-US"/>
           </a:p>
@@ -5625,7 +5625,7 @@
           <a:p>
             <a:fld id="{C8659C27-364E-C74E-8EB0-0FFA61AB3438}" type="datetimeFigureOut">
               <a:rPr kumimoji="1" lang="ja-JP" altLang="en-US" smtClean="0"/>
-              <a:t>2021/7/6</a:t>
+              <a:t>2021/7/8</a:t>
             </a:fld>
             <a:endParaRPr kumimoji="1" lang="ja-JP" altLang="en-US"/>
           </a:p>
@@ -7750,7 +7750,7 @@
           <a:p>
             <a:fld id="{C8659C27-364E-C74E-8EB0-0FFA61AB3438}" type="datetimeFigureOut">
               <a:rPr kumimoji="1" lang="ja-JP" altLang="en-US" smtClean="0"/>
-              <a:t>2021/7/6</a:t>
+              <a:t>2021/7/8</a:t>
             </a:fld>
             <a:endParaRPr kumimoji="1" lang="ja-JP" altLang="en-US"/>
           </a:p>
@@ -11623,7 +11623,7 @@
           <a:p>
             <a:r>
               <a:rPr lang="en" altLang="ja-JP" sz="2400" dirty="0"/>
-              <a:t>For each hold 𝑖, we defined a fill rate that does not narrow the aisle of the car.</a:t>
+              <a:t>For each hold 𝑖, we defined a filling rate that does not narrow the aisle of the car.</a:t>
             </a:r>
           </a:p>
           <a:p>
@@ -11636,14 +11636,14 @@
             <a:pPr lvl="1"/>
             <a:r>
               <a:rPr lang="en" altLang="ja-JP" sz="2000" dirty="0"/>
-              <a:t>Red: the hold which the fill rate is exceeded.</a:t>
+              <a:t>Red: the hold which the filling rate is exceeded.</a:t>
             </a:r>
           </a:p>
           <a:p>
             <a:pPr lvl="1"/>
             <a:r>
               <a:rPr kumimoji="1" lang="en" altLang="ja-JP" sz="2000" dirty="0"/>
-              <a:t>Blue: the hold which the fill rate is not exceeded.</a:t>
+              <a:t>Blue: the hold which the filling rate is not exceeded.</a:t>
             </a:r>
           </a:p>
           <a:p>
@@ -18024,14 +18024,14 @@
             <p:ph idx="1"/>
             <p:extLst>
               <p:ext uri="{D42A27DB-BD31-4B8C-83A1-F6EECF244321}">
-                <p14:modId xmlns:p14="http://schemas.microsoft.com/office/powerpoint/2010/main" val="223922921"/>
+                <p14:modId xmlns:p14="http://schemas.microsoft.com/office/powerpoint/2010/main" val="760355800"/>
               </p:ext>
             </p:extLst>
           </p:nvPr>
         </p:nvGraphicFramePr>
         <p:xfrm>
           <a:off x="2326341" y="2133599"/>
-          <a:ext cx="9332259" cy="3850341"/>
+          <a:ext cx="9332259" cy="4313808"/>
         </p:xfrm>
         <a:graphic>
           <a:graphicData uri="http://schemas.openxmlformats.org/drawingml/2006/table">
@@ -18242,7 +18242,7 @@
                       <a:pPr algn="ctr"/>
                       <a:r>
                         <a:rPr kumimoji="1" lang="en-US" altLang="ja-JP" sz="2000" dirty="0"/>
-                        <a:t>243</a:t>
+                        <a:t>64</a:t>
                       </a:r>
                       <a:endParaRPr kumimoji="1" lang="ja-JP" altLang="en-US" sz="2000"/>
                     </a:p>
@@ -18323,7 +18323,7 @@
                       <a:pPr algn="ctr"/>
                       <a:r>
                         <a:rPr kumimoji="1" lang="en-US" altLang="ja-JP" sz="2000" dirty="0"/>
-                        <a:t>318</a:t>
+                        <a:t>75</a:t>
                       </a:r>
                       <a:endParaRPr kumimoji="1" lang="ja-JP" altLang="en-US" sz="2000"/>
                     </a:p>
@@ -18404,7 +18404,7 @@
                       <a:pPr algn="ctr"/>
                       <a:r>
                         <a:rPr kumimoji="1" lang="en-US" altLang="ja-JP" sz="2000" dirty="0"/>
-                        <a:t>229</a:t>
+                        <a:t>54</a:t>
                       </a:r>
                       <a:endParaRPr kumimoji="1" lang="ja-JP" altLang="en-US" sz="2000"/>
                     </a:p>
@@ -18429,6 +18429,87 @@
                 <a:extLst>
                   <a:ext uri="{0D108BD9-81ED-4DB2-BD59-A6C34878D82A}">
                     <a16:rowId xmlns:a16="http://schemas.microsoft.com/office/drawing/2014/main" val="1536353699"/>
+                  </a:ext>
+                </a:extLst>
+              </a:tr>
+              <a:tr h="463467">
+                <a:tc>
+                  <a:txBody>
+                    <a:bodyPr/>
+                    <a:lstStyle/>
+                    <a:p>
+                      <a:pPr algn="ctr"/>
+                      <a:r>
+                        <a:rPr kumimoji="1" lang="en-US" altLang="ja-JP" sz="2000" dirty="0"/>
+                        <a:t>200</a:t>
+                      </a:r>
+                      <a:endParaRPr kumimoji="1" lang="ja-JP" altLang="en-US" sz="2000"/>
+                    </a:p>
+                  </a:txBody>
+                  <a:tcPr/>
+                </a:tc>
+                <a:tc>
+                  <a:txBody>
+                    <a:bodyPr/>
+                    <a:lstStyle/>
+                    <a:p>
+                      <a:pPr algn="ctr"/>
+                      <a:r>
+                        <a:rPr kumimoji="1" lang="en-US" altLang="ja-JP" sz="2000" dirty="0"/>
+                        <a:t>2</a:t>
+                      </a:r>
+                    </a:p>
+                  </a:txBody>
+                  <a:tcPr/>
+                </a:tc>
+                <a:tc>
+                  <a:txBody>
+                    <a:bodyPr/>
+                    <a:lstStyle/>
+                    <a:p>
+                      <a:pPr algn="ctr"/>
+                      <a:r>
+                        <a:rPr kumimoji="1" lang="en-US" altLang="ja-JP" sz="2000" dirty="0"/>
+                        <a:t>3</a:t>
+                      </a:r>
+                      <a:endParaRPr kumimoji="1" lang="ja-JP" altLang="en-US" sz="2000"/>
+                    </a:p>
+                  </a:txBody>
+                  <a:tcPr/>
+                </a:tc>
+                <a:tc>
+                  <a:txBody>
+                    <a:bodyPr/>
+                    <a:lstStyle/>
+                    <a:p>
+                      <a:pPr algn="ctr"/>
+                      <a:r>
+                        <a:rPr kumimoji="1" lang="en-US" altLang="ja-JP" sz="2000" dirty="0"/>
+                        <a:t>421</a:t>
+                      </a:r>
+                      <a:endParaRPr kumimoji="1" lang="ja-JP" altLang="en-US" sz="2000"/>
+                    </a:p>
+                  </a:txBody>
+                  <a:tcPr/>
+                </a:tc>
+                <a:tc>
+                  <a:txBody>
+                    <a:bodyPr/>
+                    <a:lstStyle/>
+                    <a:p>
+                      <a:pPr algn="ctr"/>
+                      <a:r>
+                        <a:rPr kumimoji="1" lang="en-US" altLang="ja-JP" sz="2000" dirty="0"/>
+                        <a:t>8102</a:t>
+                      </a:r>
+                      <a:endParaRPr kumimoji="1" lang="ja-JP" altLang="en-US" sz="2000"/>
+                    </a:p>
+                  </a:txBody>
+                  <a:tcPr/>
+                </a:tc>
+                <a:extLst>
+                  <a:ext uri="{0D108BD9-81ED-4DB2-BD59-A6C34878D82A}">
+                    <a16:rowId xmlns:a16="http://schemas.microsoft.com/office/drawing/2014/main" val="861762615"/>
                   </a:ext>
                 </a:extLst>
               </a:tr>
@@ -18486,7 +18567,7 @@
                       <a:pPr algn="ctr"/>
                       <a:r>
                         <a:rPr kumimoji="1" lang="en-US" altLang="ja-JP" sz="2000" dirty="0"/>
-                        <a:t>177</a:t>
+                        <a:t>202</a:t>
                       </a:r>
                       <a:endParaRPr kumimoji="1" lang="ja-JP" altLang="en-US" sz="2000"/>
                     </a:p>
@@ -18568,7 +18649,7 @@
                       <a:pPr algn="ctr"/>
                       <a:r>
                         <a:rPr kumimoji="1" lang="en-US" altLang="ja-JP" sz="2000" dirty="0"/>
-                        <a:t>1852</a:t>
+                        <a:t>1313</a:t>
                       </a:r>
                       <a:endParaRPr kumimoji="1" lang="ja-JP" altLang="en-US" sz="2000"/>
                     </a:p>

--- a/竹田_合同研究会.pptx
+++ b/竹田_合同研究会.pptx
@@ -339,7 +339,7 @@
           <a:p>
             <a:fld id="{C8659C27-364E-C74E-8EB0-0FFA61AB3438}" type="datetimeFigureOut">
               <a:rPr kumimoji="1" lang="ja-JP" altLang="en-US" smtClean="0"/>
-              <a:t>2021/7/8</a:t>
+              <a:t>2021/7/9</a:t>
             </a:fld>
             <a:endParaRPr kumimoji="1" lang="ja-JP" altLang="en-US"/>
           </a:p>
@@ -714,7 +714,7 @@
           <a:p>
             <a:fld id="{C8659C27-364E-C74E-8EB0-0FFA61AB3438}" type="datetimeFigureOut">
               <a:rPr kumimoji="1" lang="ja-JP" altLang="en-US" smtClean="0"/>
-              <a:t>2021/7/8</a:t>
+              <a:t>2021/7/9</a:t>
             </a:fld>
             <a:endParaRPr kumimoji="1" lang="ja-JP" altLang="en-US"/>
           </a:p>
@@ -1189,7 +1189,7 @@
           <a:p>
             <a:fld id="{C8659C27-364E-C74E-8EB0-0FFA61AB3438}" type="datetimeFigureOut">
               <a:rPr kumimoji="1" lang="ja-JP" altLang="en-US" smtClean="0"/>
-              <a:t>2021/7/8</a:t>
+              <a:t>2021/7/9</a:t>
             </a:fld>
             <a:endParaRPr kumimoji="1" lang="ja-JP" altLang="en-US"/>
           </a:p>
@@ -1562,7 +1562,7 @@
           <a:p>
             <a:fld id="{C8659C27-364E-C74E-8EB0-0FFA61AB3438}" type="datetimeFigureOut">
               <a:rPr kumimoji="1" lang="ja-JP" altLang="en-US" smtClean="0"/>
-              <a:t>2021/7/8</a:t>
+              <a:t>2021/7/9</a:t>
             </a:fld>
             <a:endParaRPr kumimoji="1" lang="ja-JP" altLang="en-US"/>
           </a:p>
@@ -1956,7 +1956,7 @@
           <a:p>
             <a:fld id="{C8659C27-364E-C74E-8EB0-0FFA61AB3438}" type="datetimeFigureOut">
               <a:rPr kumimoji="1" lang="ja-JP" altLang="en-US" smtClean="0"/>
-              <a:t>2021/7/8</a:t>
+              <a:t>2021/7/9</a:t>
             </a:fld>
             <a:endParaRPr kumimoji="1" lang="ja-JP" altLang="en-US"/>
           </a:p>
@@ -2426,7 +2426,7 @@
           <a:p>
             <a:fld id="{C8659C27-364E-C74E-8EB0-0FFA61AB3438}" type="datetimeFigureOut">
               <a:rPr kumimoji="1" lang="ja-JP" altLang="en-US" smtClean="0"/>
-              <a:t>2021/7/8</a:t>
+              <a:t>2021/7/9</a:t>
             </a:fld>
             <a:endParaRPr kumimoji="1" lang="ja-JP" altLang="en-US"/>
           </a:p>
@@ -2691,7 +2691,7 @@
           <a:p>
             <a:fld id="{C8659C27-364E-C74E-8EB0-0FFA61AB3438}" type="datetimeFigureOut">
               <a:rPr kumimoji="1" lang="ja-JP" altLang="en-US" smtClean="0"/>
-              <a:t>2021/7/8</a:t>
+              <a:t>2021/7/9</a:t>
             </a:fld>
             <a:endParaRPr kumimoji="1" lang="ja-JP" altLang="en-US"/>
           </a:p>
@@ -2961,7 +2961,7 @@
           <a:p>
             <a:fld id="{C8659C27-364E-C74E-8EB0-0FFA61AB3438}" type="datetimeFigureOut">
               <a:rPr kumimoji="1" lang="ja-JP" altLang="en-US" smtClean="0"/>
-              <a:t>2021/7/8</a:t>
+              <a:t>2021/7/9</a:t>
             </a:fld>
             <a:endParaRPr kumimoji="1" lang="ja-JP" altLang="en-US"/>
           </a:p>
@@ -3231,7 +3231,7 @@
           <a:p>
             <a:fld id="{C8659C27-364E-C74E-8EB0-0FFA61AB3438}" type="datetimeFigureOut">
               <a:rPr kumimoji="1" lang="ja-JP" altLang="en-US" smtClean="0"/>
-              <a:t>2021/7/8</a:t>
+              <a:t>2021/7/9</a:t>
             </a:fld>
             <a:endParaRPr kumimoji="1" lang="ja-JP" altLang="en-US"/>
           </a:p>
@@ -3597,7 +3597,7 @@
           <a:p>
             <a:fld id="{C8659C27-364E-C74E-8EB0-0FFA61AB3438}" type="datetimeFigureOut">
               <a:rPr kumimoji="1" lang="ja-JP" altLang="en-US" smtClean="0"/>
-              <a:t>2021/7/8</a:t>
+              <a:t>2021/7/9</a:t>
             </a:fld>
             <a:endParaRPr kumimoji="1" lang="ja-JP" altLang="en-US"/>
           </a:p>
@@ -3936,7 +3936,7 @@
           <a:p>
             <a:fld id="{C8659C27-364E-C74E-8EB0-0FFA61AB3438}" type="datetimeFigureOut">
               <a:rPr kumimoji="1" lang="ja-JP" altLang="en-US" smtClean="0"/>
-              <a:t>2021/7/8</a:t>
+              <a:t>2021/7/9</a:t>
             </a:fld>
             <a:endParaRPr kumimoji="1" lang="ja-JP" altLang="en-US"/>
           </a:p>
@@ -4483,7 +4483,7 @@
           <a:p>
             <a:fld id="{C8659C27-364E-C74E-8EB0-0FFA61AB3438}" type="datetimeFigureOut">
               <a:rPr kumimoji="1" lang="ja-JP" altLang="en-US" smtClean="0"/>
-              <a:t>2021/7/8</a:t>
+              <a:t>2021/7/9</a:t>
             </a:fld>
             <a:endParaRPr kumimoji="1" lang="ja-JP" altLang="en-US"/>
           </a:p>
@@ -4688,7 +4688,7 @@
           <a:p>
             <a:fld id="{C8659C27-364E-C74E-8EB0-0FFA61AB3438}" type="datetimeFigureOut">
               <a:rPr kumimoji="1" lang="ja-JP" altLang="en-US" smtClean="0"/>
-              <a:t>2021/7/8</a:t>
+              <a:t>2021/7/9</a:t>
             </a:fld>
             <a:endParaRPr kumimoji="1" lang="ja-JP" altLang="en-US"/>
           </a:p>
@@ -4865,7 +4865,7 @@
           <a:p>
             <a:fld id="{C8659C27-364E-C74E-8EB0-0FFA61AB3438}" type="datetimeFigureOut">
               <a:rPr kumimoji="1" lang="ja-JP" altLang="en-US" smtClean="0"/>
-              <a:t>2021/7/8</a:t>
+              <a:t>2021/7/9</a:t>
             </a:fld>
             <a:endParaRPr kumimoji="1" lang="ja-JP" altLang="en-US"/>
           </a:p>
@@ -5243,7 +5243,7 @@
           <a:p>
             <a:fld id="{C8659C27-364E-C74E-8EB0-0FFA61AB3438}" type="datetimeFigureOut">
               <a:rPr kumimoji="1" lang="ja-JP" altLang="en-US" smtClean="0"/>
-              <a:t>2021/7/8</a:t>
+              <a:t>2021/7/9</a:t>
             </a:fld>
             <a:endParaRPr kumimoji="1" lang="ja-JP" altLang="en-US"/>
           </a:p>
@@ -5625,7 +5625,7 @@
           <a:p>
             <a:fld id="{C8659C27-364E-C74E-8EB0-0FFA61AB3438}" type="datetimeFigureOut">
               <a:rPr kumimoji="1" lang="ja-JP" altLang="en-US" smtClean="0"/>
-              <a:t>2021/7/8</a:t>
+              <a:t>2021/7/9</a:t>
             </a:fld>
             <a:endParaRPr kumimoji="1" lang="ja-JP" altLang="en-US"/>
           </a:p>
@@ -7750,7 +7750,7 @@
           <a:p>
             <a:fld id="{C8659C27-364E-C74E-8EB0-0FFA61AB3438}" type="datetimeFigureOut">
               <a:rPr kumimoji="1" lang="ja-JP" altLang="en-US" smtClean="0"/>
-              <a:t>2021/7/8</a:t>
+              <a:t>2021/7/9</a:t>
             </a:fld>
             <a:endParaRPr kumimoji="1" lang="ja-JP" altLang="en-US"/>
           </a:p>
@@ -17658,7 +17658,7 @@
             </a:r>
             <a:r>
               <a:rPr kumimoji="1" lang="en-US" altLang="ja-JP" sz="2400" dirty="0"/>
-              <a:t>reassigning one order which was assign to a segment to another segment</a:t>
+              <a:t>reassigning one order which was assigned to a segment to another segment</a:t>
             </a:r>
           </a:p>
           <a:p>
